--- a/events/2021-09-15/slides/03-vpn-wifi.pptx
+++ b/events/2021-09-15/slides/03-vpn-wifi.pptx
@@ -12,8 +12,8 @@
     <p:sldId id="269" r:id="rId9"/>
     <p:sldId id="271" r:id="rId10"/>
     <p:sldId id="274" r:id="rId11"/>
-    <p:sldId id="275" r:id="rId12"/>
-    <p:sldId id="276" r:id="rId13"/>
+    <p:sldId id="276" r:id="rId12"/>
+    <p:sldId id="275" r:id="rId13"/>
     <p:sldId id="277" r:id="rId14"/>
     <p:sldId id="282" r:id="rId15"/>
     <p:sldId id="280" r:id="rId16"/>
@@ -129,1029 +129,19 @@
 <file path=ppt/revisionInfo.xml><?xml version="1.0" encoding="utf-8"?>
 <p1510:revInfo xmlns:a="http://schemas.openxmlformats.org/drawingml/2006/main" xmlns:r="http://schemas.openxmlformats.org/officeDocument/2006/relationships" xmlns:p1510="http://schemas.microsoft.com/office/powerpoint/2015/10/main">
   <p1510:revLst>
-    <p1510:client id="{1586D1C7-1B98-49AC-BB6C-5F7659F7EC3C}" v="1413" dt="2021-09-14T16:03:22.500"/>
+    <p1510:client id="{01A5A45F-58A0-0A3A-2909-251A2ED1085F}" v="1" dt="2021-09-15T05:21:09.894"/>
+    <p1510:client id="{1586D1C7-1B98-49AC-BB6C-5F7659F7EC3C}" v="2093" dt="2021-09-15T05:29:28.022"/>
     <p1510:client id="{1E4670C5-CEEE-6E5D-3CC4-C00D4154DF4C}" v="19" dt="2021-09-14T15:33:36.133"/>
     <p1510:client id="{388D491C-7AF0-5547-DB03-33B460A66B09}" v="1" dt="2021-09-14T12:51:33.421"/>
+    <p1510:client id="{415F2358-BA31-DA93-5E5E-DE5F76DCFACE}" v="2" dt="2021-09-15T00:48:50.984"/>
+    <p1510:client id="{6EDFBA37-B5A0-CE67-B732-A3E8AFF7ABC0}" v="73" dt="2021-09-15T01:22:31.705"/>
+    <p1510:client id="{973D09CD-ACD9-4EE4-BC81-BBDB1B49C651}" v="19" dt="2021-09-15T00:24:14.867"/>
+    <p1510:client id="{ADF41070-4371-01D3-626D-A4CF3BC58936}" v="1" dt="2021-09-15T05:32:13.468"/>
+    <p1510:client id="{BDC33EA2-963C-FEF2-80E6-55495BD41D83}" v="4" dt="2021-09-15T05:39:14.647"/>
+    <p1510:client id="{D789221C-E0F0-4406-ADE9-2B36592AC7D5}" v="16" dt="2021-09-15T01:01:03.424"/>
     <p1510:client id="{E4DF769C-E369-4078-B6A9-495E031EBC6D}" v="60" dt="2021-09-14T15:43:58.905"/>
   </p1510:revLst>
 </p1510:revInfo>
-</file>
-
-<file path=ppt/changesInfos/changesInfo1.xml><?xml version="1.0" encoding="utf-8"?>
-<pc:chgInfo xmlns:a="http://schemas.openxmlformats.org/drawingml/2006/main" xmlns:r="http://schemas.openxmlformats.org/officeDocument/2006/relationships" xmlns:ac="http://schemas.microsoft.com/office/drawing/2013/main/command" xmlns:pc="http://schemas.microsoft.com/office/powerpoint/2013/main/command">
-  <pc:docChgLst>
-    <pc:chgData name="玉造　潤史" userId="S::6912876266@utac.u-tokyo.ac.jp::0be71875-873b-465c-afd9-2857e2860bc4" providerId="AD" clId="Web-{1E4670C5-CEEE-6E5D-3CC4-C00D4154DF4C}"/>
-    <pc:docChg chg="modSld">
-      <pc:chgData name="玉造　潤史" userId="S::6912876266@utac.u-tokyo.ac.jp::0be71875-873b-465c-afd9-2857e2860bc4" providerId="AD" clId="Web-{1E4670C5-CEEE-6E5D-3CC4-C00D4154DF4C}" dt="2021-09-14T15:33:36.133" v="12"/>
-      <pc:docMkLst>
-        <pc:docMk/>
-      </pc:docMkLst>
-      <pc:sldChg chg="modSp">
-        <pc:chgData name="玉造　潤史" userId="S::6912876266@utac.u-tokyo.ac.jp::0be71875-873b-465c-afd9-2857e2860bc4" providerId="AD" clId="Web-{1E4670C5-CEEE-6E5D-3CC4-C00D4154DF4C}" dt="2021-09-14T15:31:58.006" v="6" actId="20577"/>
-        <pc:sldMkLst>
-          <pc:docMk/>
-          <pc:sldMk cId="3462189751" sldId="256"/>
-        </pc:sldMkLst>
-        <pc:spChg chg="mod">
-          <ac:chgData name="玉造　潤史" userId="S::6912876266@utac.u-tokyo.ac.jp::0be71875-873b-465c-afd9-2857e2860bc4" providerId="AD" clId="Web-{1E4670C5-CEEE-6E5D-3CC4-C00D4154DF4C}" dt="2021-09-14T15:31:58.006" v="6" actId="20577"/>
-          <ac:spMkLst>
-            <pc:docMk/>
-            <pc:sldMk cId="3462189751" sldId="256"/>
-            <ac:spMk id="3" creationId="{17AA00BD-73FD-4F93-8073-973965D2C66B}"/>
-          </ac:spMkLst>
-        </pc:spChg>
-      </pc:sldChg>
-      <pc:sldChg chg="addSp delSp modSp">
-        <pc:chgData name="玉造　潤史" userId="S::6912876266@utac.u-tokyo.ac.jp::0be71875-873b-465c-afd9-2857e2860bc4" providerId="AD" clId="Web-{1E4670C5-CEEE-6E5D-3CC4-C00D4154DF4C}" dt="2021-09-14T15:33:36.133" v="12"/>
-        <pc:sldMkLst>
-          <pc:docMk/>
-          <pc:sldMk cId="437990256" sldId="266"/>
-        </pc:sldMkLst>
-        <pc:spChg chg="mod">
-          <ac:chgData name="玉造　潤史" userId="S::6912876266@utac.u-tokyo.ac.jp::0be71875-873b-465c-afd9-2857e2860bc4" providerId="AD" clId="Web-{1E4670C5-CEEE-6E5D-3CC4-C00D4154DF4C}" dt="2021-09-14T15:32:17.662" v="7" actId="14100"/>
-          <ac:spMkLst>
-            <pc:docMk/>
-            <pc:sldMk cId="437990256" sldId="266"/>
-            <ac:spMk id="3" creationId="{6A81EE8A-36F2-4F99-A26A-2AB80CD7034C}"/>
-          </ac:spMkLst>
-        </pc:spChg>
-        <pc:picChg chg="add del mod">
-          <ac:chgData name="玉造　潤史" userId="S::6912876266@utac.u-tokyo.ac.jp::0be71875-873b-465c-afd9-2857e2860bc4" providerId="AD" clId="Web-{1E4670C5-CEEE-6E5D-3CC4-C00D4154DF4C}" dt="2021-09-14T15:33:02.507" v="10"/>
-          <ac:picMkLst>
-            <pc:docMk/>
-            <pc:sldMk cId="437990256" sldId="266"/>
-            <ac:picMk id="4" creationId="{3173BC37-6171-4EF3-9A64-75220D286148}"/>
-          </ac:picMkLst>
-        </pc:picChg>
-        <pc:picChg chg="add del mod">
-          <ac:chgData name="玉造　潤史" userId="S::6912876266@utac.u-tokyo.ac.jp::0be71875-873b-465c-afd9-2857e2860bc4" providerId="AD" clId="Web-{1E4670C5-CEEE-6E5D-3CC4-C00D4154DF4C}" dt="2021-09-14T15:33:36.133" v="12"/>
-          <ac:picMkLst>
-            <pc:docMk/>
-            <pc:sldMk cId="437990256" sldId="266"/>
-            <ac:picMk id="5" creationId="{50CDDF29-09C9-457C-9FBE-D8706C1F0121}"/>
-          </ac:picMkLst>
-        </pc:picChg>
-      </pc:sldChg>
-    </pc:docChg>
-  </pc:docChgLst>
-  <pc:docChgLst>
-    <pc:chgData name="石山　寛子" userId="0e32af57-cd92-49ab-aaae-78800bb468da" providerId="ADAL" clId="{D789221C-E0F0-4406-ADE9-2B36592AC7D5}"/>
-    <pc:docChg chg="undo custSel addSld modSld sldOrd">
-      <pc:chgData name="石山　寛子" userId="0e32af57-cd92-49ab-aaae-78800bb468da" providerId="ADAL" clId="{D789221C-E0F0-4406-ADE9-2B36592AC7D5}" dt="2021-09-14T12:50:39.517" v="2809" actId="20577"/>
-      <pc:docMkLst>
-        <pc:docMk/>
-      </pc:docMkLst>
-      <pc:sldChg chg="addSp delSp modSp mod ord">
-        <pc:chgData name="石山　寛子" userId="0e32af57-cd92-49ab-aaae-78800bb468da" providerId="ADAL" clId="{D789221C-E0F0-4406-ADE9-2B36592AC7D5}" dt="2021-09-14T12:47:33.724" v="2413" actId="20577"/>
-        <pc:sldMkLst>
-          <pc:docMk/>
-          <pc:sldMk cId="3873903599" sldId="280"/>
-        </pc:sldMkLst>
-        <pc:spChg chg="mod">
-          <ac:chgData name="石山　寛子" userId="0e32af57-cd92-49ab-aaae-78800bb468da" providerId="ADAL" clId="{D789221C-E0F0-4406-ADE9-2B36592AC7D5}" dt="2021-09-14T12:47:33.724" v="2413" actId="20577"/>
-          <ac:spMkLst>
-            <pc:docMk/>
-            <pc:sldMk cId="3873903599" sldId="280"/>
-            <ac:spMk id="3" creationId="{CAFAED61-A706-4EE5-8F3F-061BB3680111}"/>
-          </ac:spMkLst>
-        </pc:spChg>
-        <pc:spChg chg="add mod">
-          <ac:chgData name="石山　寛子" userId="0e32af57-cd92-49ab-aaae-78800bb468da" providerId="ADAL" clId="{D789221C-E0F0-4406-ADE9-2B36592AC7D5}" dt="2021-09-14T12:35:50.488" v="2180" actId="1076"/>
-          <ac:spMkLst>
-            <pc:docMk/>
-            <pc:sldMk cId="3873903599" sldId="280"/>
-            <ac:spMk id="4" creationId="{6BAC0037-726F-4024-A14D-CC7237CF94E9}"/>
-          </ac:spMkLst>
-        </pc:spChg>
-        <pc:picChg chg="add del mod">
-          <ac:chgData name="石山　寛子" userId="0e32af57-cd92-49ab-aaae-78800bb468da" providerId="ADAL" clId="{D789221C-E0F0-4406-ADE9-2B36592AC7D5}" dt="2021-09-14T12:35:42.206" v="2178" actId="478"/>
-          <ac:picMkLst>
-            <pc:docMk/>
-            <pc:sldMk cId="3873903599" sldId="280"/>
-            <ac:picMk id="6" creationId="{5A310BBA-8E01-4A1A-91BE-2F7F4A0ACD5F}"/>
-          </ac:picMkLst>
-        </pc:picChg>
-        <pc:picChg chg="add del mod">
-          <ac:chgData name="石山　寛子" userId="0e32af57-cd92-49ab-aaae-78800bb468da" providerId="ADAL" clId="{D789221C-E0F0-4406-ADE9-2B36592AC7D5}" dt="2021-09-14T12:35:43.021" v="2179" actId="478"/>
-          <ac:picMkLst>
-            <pc:docMk/>
-            <pc:sldMk cId="3873903599" sldId="280"/>
-            <ac:picMk id="8" creationId="{617F2020-7906-40C5-A556-DD9E4168E32B}"/>
-          </ac:picMkLst>
-        </pc:picChg>
-      </pc:sldChg>
-      <pc:sldChg chg="ord">
-        <pc:chgData name="石山　寛子" userId="0e32af57-cd92-49ab-aaae-78800bb468da" providerId="ADAL" clId="{D789221C-E0F0-4406-ADE9-2B36592AC7D5}" dt="2021-09-14T11:25:29.514" v="8"/>
-        <pc:sldMkLst>
-          <pc:docMk/>
-          <pc:sldMk cId="3298545345" sldId="281"/>
-        </pc:sldMkLst>
-      </pc:sldChg>
-      <pc:sldChg chg="addSp delSp modSp add mod ord">
-        <pc:chgData name="石山　寛子" userId="0e32af57-cd92-49ab-aaae-78800bb468da" providerId="ADAL" clId="{D789221C-E0F0-4406-ADE9-2B36592AC7D5}" dt="2021-09-14T12:03:25.450" v="899" actId="20577"/>
-        <pc:sldMkLst>
-          <pc:docMk/>
-          <pc:sldMk cId="391348628" sldId="282"/>
-        </pc:sldMkLst>
-        <pc:spChg chg="del mod">
-          <ac:chgData name="石山　寛子" userId="0e32af57-cd92-49ab-aaae-78800bb468da" providerId="ADAL" clId="{D789221C-E0F0-4406-ADE9-2B36592AC7D5}" dt="2021-09-14T11:30:30.652" v="218" actId="478"/>
-          <ac:spMkLst>
-            <pc:docMk/>
-            <pc:sldMk cId="391348628" sldId="282"/>
-            <ac:spMk id="3" creationId="{35F984B4-7DD5-45E1-98E9-3BD32C44D82E}"/>
-          </ac:spMkLst>
-        </pc:spChg>
-        <pc:spChg chg="add mod">
-          <ac:chgData name="石山　寛子" userId="0e32af57-cd92-49ab-aaae-78800bb468da" providerId="ADAL" clId="{D789221C-E0F0-4406-ADE9-2B36592AC7D5}" dt="2021-09-14T11:27:27.006" v="91" actId="20577"/>
-          <ac:spMkLst>
-            <pc:docMk/>
-            <pc:sldMk cId="391348628" sldId="282"/>
-            <ac:spMk id="4" creationId="{296AAFB4-B0EF-4D4F-9752-A0986DC2A9EC}"/>
-          </ac:spMkLst>
-        </pc:spChg>
-        <pc:spChg chg="add del mod">
-          <ac:chgData name="石山　寛子" userId="0e32af57-cd92-49ab-aaae-78800bb468da" providerId="ADAL" clId="{D789221C-E0F0-4406-ADE9-2B36592AC7D5}" dt="2021-09-14T11:32:53.419" v="219" actId="3680"/>
-          <ac:spMkLst>
-            <pc:docMk/>
-            <pc:sldMk cId="391348628" sldId="282"/>
-            <ac:spMk id="6" creationId="{8ECCF462-92DE-410F-BA1C-D29782FF6EE0}"/>
-          </ac:spMkLst>
-        </pc:spChg>
-        <pc:spChg chg="add del mod">
-          <ac:chgData name="石山　寛子" userId="0e32af57-cd92-49ab-aaae-78800bb468da" providerId="ADAL" clId="{D789221C-E0F0-4406-ADE9-2B36592AC7D5}" dt="2021-09-14T11:34:43.241" v="221" actId="3680"/>
-          <ac:spMkLst>
-            <pc:docMk/>
-            <pc:sldMk cId="391348628" sldId="282"/>
-            <ac:spMk id="9" creationId="{26163406-CB91-47C3-B9A5-2B51EA102E4D}"/>
-          </ac:spMkLst>
-        </pc:spChg>
-        <pc:graphicFrameChg chg="add del mod ord modGraphic">
-          <ac:chgData name="石山　寛子" userId="0e32af57-cd92-49ab-aaae-78800bb468da" providerId="ADAL" clId="{D789221C-E0F0-4406-ADE9-2B36592AC7D5}" dt="2021-09-14T11:33:00.343" v="220" actId="478"/>
-          <ac:graphicFrameMkLst>
-            <pc:docMk/>
-            <pc:sldMk cId="391348628" sldId="282"/>
-            <ac:graphicFrameMk id="7" creationId="{43667242-C284-4FDC-8A6E-A85D2B605233}"/>
-          </ac:graphicFrameMkLst>
-        </pc:graphicFrameChg>
-        <pc:graphicFrameChg chg="add mod ord modGraphic">
-          <ac:chgData name="石山　寛子" userId="0e32af57-cd92-49ab-aaae-78800bb468da" providerId="ADAL" clId="{D789221C-E0F0-4406-ADE9-2B36592AC7D5}" dt="2021-09-14T12:03:25.450" v="899" actId="20577"/>
-          <ac:graphicFrameMkLst>
-            <pc:docMk/>
-            <pc:sldMk cId="391348628" sldId="282"/>
-            <ac:graphicFrameMk id="10" creationId="{7A25A0C0-46C5-4B8E-A3C4-6AFF487A98B1}"/>
-          </ac:graphicFrameMkLst>
-        </pc:graphicFrameChg>
-        <pc:graphicFrameChg chg="add del mod">
-          <ac:chgData name="石山　寛子" userId="0e32af57-cd92-49ab-aaae-78800bb468da" providerId="ADAL" clId="{D789221C-E0F0-4406-ADE9-2B36592AC7D5}" dt="2021-09-14T11:57:40.636" v="673"/>
-          <ac:graphicFrameMkLst>
-            <pc:docMk/>
-            <pc:sldMk cId="391348628" sldId="282"/>
-            <ac:graphicFrameMk id="11" creationId="{35627686-84FD-4CFF-BE7B-65391FDFE9AC}"/>
-          </ac:graphicFrameMkLst>
-        </pc:graphicFrameChg>
-        <pc:graphicFrameChg chg="add del mod">
-          <ac:chgData name="石山　寛子" userId="0e32af57-cd92-49ab-aaae-78800bb468da" providerId="ADAL" clId="{D789221C-E0F0-4406-ADE9-2B36592AC7D5}" dt="2021-09-14T11:58:11.322" v="680" actId="478"/>
-          <ac:graphicFrameMkLst>
-            <pc:docMk/>
-            <pc:sldMk cId="391348628" sldId="282"/>
-            <ac:graphicFrameMk id="12" creationId="{9E61CC41-B700-4FCD-9AFB-8D0134671910}"/>
-          </ac:graphicFrameMkLst>
-        </pc:graphicFrameChg>
-      </pc:sldChg>
-      <pc:sldChg chg="add">
-        <pc:chgData name="石山　寛子" userId="0e32af57-cd92-49ab-aaae-78800bb468da" providerId="ADAL" clId="{D789221C-E0F0-4406-ADE9-2B36592AC7D5}" dt="2021-09-14T11:25:12.913" v="1" actId="2890"/>
-        <pc:sldMkLst>
-          <pc:docMk/>
-          <pc:sldMk cId="2778571814" sldId="283"/>
-        </pc:sldMkLst>
-      </pc:sldChg>
-      <pc:sldChg chg="modSp add mod">
-        <pc:chgData name="石山　寛子" userId="0e32af57-cd92-49ab-aaae-78800bb468da" providerId="ADAL" clId="{D789221C-E0F0-4406-ADE9-2B36592AC7D5}" dt="2021-09-14T12:21:33.321" v="1662" actId="1038"/>
-        <pc:sldMkLst>
-          <pc:docMk/>
-          <pc:sldMk cId="3985162044" sldId="284"/>
-        </pc:sldMkLst>
-        <pc:spChg chg="mod">
-          <ac:chgData name="石山　寛子" userId="0e32af57-cd92-49ab-aaae-78800bb468da" providerId="ADAL" clId="{D789221C-E0F0-4406-ADE9-2B36592AC7D5}" dt="2021-09-14T12:11:47.504" v="1046" actId="20577"/>
-          <ac:spMkLst>
-            <pc:docMk/>
-            <pc:sldMk cId="3985162044" sldId="284"/>
-            <ac:spMk id="2" creationId="{24F3B7A9-92F1-454C-9772-F2FF87705759}"/>
-          </ac:spMkLst>
-        </pc:spChg>
-        <pc:spChg chg="mod">
-          <ac:chgData name="石山　寛子" userId="0e32af57-cd92-49ab-aaae-78800bb468da" providerId="ADAL" clId="{D789221C-E0F0-4406-ADE9-2B36592AC7D5}" dt="2021-09-14T12:21:33.321" v="1662" actId="1038"/>
-          <ac:spMkLst>
-            <pc:docMk/>
-            <pc:sldMk cId="3985162044" sldId="284"/>
-            <ac:spMk id="3" creationId="{F4097006-97AA-4A8A-A894-9A73486001A7}"/>
-          </ac:spMkLst>
-        </pc:spChg>
-      </pc:sldChg>
-      <pc:sldChg chg="addSp delSp modSp add mod">
-        <pc:chgData name="石山　寛子" userId="0e32af57-cd92-49ab-aaae-78800bb468da" providerId="ADAL" clId="{D789221C-E0F0-4406-ADE9-2B36592AC7D5}" dt="2021-09-14T12:50:39.517" v="2809" actId="20577"/>
-        <pc:sldMkLst>
-          <pc:docMk/>
-          <pc:sldMk cId="164279849" sldId="285"/>
-        </pc:sldMkLst>
-        <pc:spChg chg="del">
-          <ac:chgData name="石山　寛子" userId="0e32af57-cd92-49ab-aaae-78800bb468da" providerId="ADAL" clId="{D789221C-E0F0-4406-ADE9-2B36592AC7D5}" dt="2021-09-14T12:36:10.118" v="2182" actId="478"/>
-          <ac:spMkLst>
-            <pc:docMk/>
-            <pc:sldMk cId="164279849" sldId="285"/>
-            <ac:spMk id="3" creationId="{CAFAED61-A706-4EE5-8F3F-061BB3680111}"/>
-          </ac:spMkLst>
-        </pc:spChg>
-        <pc:spChg chg="del">
-          <ac:chgData name="石山　寛子" userId="0e32af57-cd92-49ab-aaae-78800bb468da" providerId="ADAL" clId="{D789221C-E0F0-4406-ADE9-2B36592AC7D5}" dt="2021-09-14T12:35:58.971" v="2181" actId="478"/>
-          <ac:spMkLst>
-            <pc:docMk/>
-            <pc:sldMk cId="164279849" sldId="285"/>
-            <ac:spMk id="4" creationId="{6BAC0037-726F-4024-A14D-CC7237CF94E9}"/>
-          </ac:spMkLst>
-        </pc:spChg>
-        <pc:spChg chg="add del mod">
-          <ac:chgData name="石山　寛子" userId="0e32af57-cd92-49ab-aaae-78800bb468da" providerId="ADAL" clId="{D789221C-E0F0-4406-ADE9-2B36592AC7D5}" dt="2021-09-14T12:36:41.635" v="2187" actId="478"/>
-          <ac:spMkLst>
-            <pc:docMk/>
-            <pc:sldMk cId="164279849" sldId="285"/>
-            <ac:spMk id="7" creationId="{4744138D-57C6-4777-9FEF-B3003990E80B}"/>
-          </ac:spMkLst>
-        </pc:spChg>
-        <pc:spChg chg="add del">
-          <ac:chgData name="石山　寛子" userId="0e32af57-cd92-49ab-aaae-78800bb468da" providerId="ADAL" clId="{D789221C-E0F0-4406-ADE9-2B36592AC7D5}" dt="2021-09-14T12:38:38.223" v="2262" actId="478"/>
-          <ac:spMkLst>
-            <pc:docMk/>
-            <pc:sldMk cId="164279849" sldId="285"/>
-            <ac:spMk id="9" creationId="{F8077DC8-443E-4EE8-B0EB-3E15E93EBEC2}"/>
-          </ac:spMkLst>
-        </pc:spChg>
-        <pc:spChg chg="add del mod">
-          <ac:chgData name="石山　寛子" userId="0e32af57-cd92-49ab-aaae-78800bb468da" providerId="ADAL" clId="{D789221C-E0F0-4406-ADE9-2B36592AC7D5}" dt="2021-09-14T12:41:27.141" v="2282" actId="478"/>
-          <ac:spMkLst>
-            <pc:docMk/>
-            <pc:sldMk cId="164279849" sldId="285"/>
-            <ac:spMk id="10" creationId="{9A47AFEC-D412-4C1D-A980-AE2ED18D0F9C}"/>
-          </ac:spMkLst>
-        </pc:spChg>
-        <pc:spChg chg="add del mod">
-          <ac:chgData name="石山　寛子" userId="0e32af57-cd92-49ab-aaae-78800bb468da" providerId="ADAL" clId="{D789221C-E0F0-4406-ADE9-2B36592AC7D5}" dt="2021-09-14T12:41:10.559" v="2280" actId="478"/>
-          <ac:spMkLst>
-            <pc:docMk/>
-            <pc:sldMk cId="164279849" sldId="285"/>
-            <ac:spMk id="11" creationId="{6BB0063F-7619-44A5-9167-AEE5A4FA21D8}"/>
-          </ac:spMkLst>
-        </pc:spChg>
-        <pc:spChg chg="add del mod">
-          <ac:chgData name="石山　寛子" userId="0e32af57-cd92-49ab-aaae-78800bb468da" providerId="ADAL" clId="{D789221C-E0F0-4406-ADE9-2B36592AC7D5}" dt="2021-09-14T12:41:09.749" v="2279" actId="478"/>
-          <ac:spMkLst>
-            <pc:docMk/>
-            <pc:sldMk cId="164279849" sldId="285"/>
-            <ac:spMk id="12" creationId="{A9D9049A-316F-4ACE-969E-8FCFBA8A4190}"/>
-          </ac:spMkLst>
-        </pc:spChg>
-        <pc:spChg chg="add del mod">
-          <ac:chgData name="石山　寛子" userId="0e32af57-cd92-49ab-aaae-78800bb468da" providerId="ADAL" clId="{D789221C-E0F0-4406-ADE9-2B36592AC7D5}" dt="2021-09-14T12:41:08.826" v="2278" actId="478"/>
-          <ac:spMkLst>
-            <pc:docMk/>
-            <pc:sldMk cId="164279849" sldId="285"/>
-            <ac:spMk id="13" creationId="{52E1D2F4-899C-4B7C-8F7D-A71A4B829E93}"/>
-          </ac:spMkLst>
-        </pc:spChg>
-        <pc:spChg chg="add del mod">
-          <ac:chgData name="石山　寛子" userId="0e32af57-cd92-49ab-aaae-78800bb468da" providerId="ADAL" clId="{D789221C-E0F0-4406-ADE9-2B36592AC7D5}" dt="2021-09-14T12:41:07.850" v="2277" actId="478"/>
-          <ac:spMkLst>
-            <pc:docMk/>
-            <pc:sldMk cId="164279849" sldId="285"/>
-            <ac:spMk id="14" creationId="{335EEC41-4659-4676-A7DF-329ED7F67613}"/>
-          </ac:spMkLst>
-        </pc:spChg>
-        <pc:spChg chg="add mod">
-          <ac:chgData name="石山　寛子" userId="0e32af57-cd92-49ab-aaae-78800bb468da" providerId="ADAL" clId="{D789221C-E0F0-4406-ADE9-2B36592AC7D5}" dt="2021-09-14T12:45:54.780" v="2378" actId="20577"/>
-          <ac:spMkLst>
-            <pc:docMk/>
-            <pc:sldMk cId="164279849" sldId="285"/>
-            <ac:spMk id="16" creationId="{B9D2E2B5-CF94-4187-95CD-FAC09E02119F}"/>
-          </ac:spMkLst>
-        </pc:spChg>
-        <pc:spChg chg="add mod">
-          <ac:chgData name="石山　寛子" userId="0e32af57-cd92-49ab-aaae-78800bb468da" providerId="ADAL" clId="{D789221C-E0F0-4406-ADE9-2B36592AC7D5}" dt="2021-09-14T12:45:36.729" v="2333" actId="1038"/>
-          <ac:spMkLst>
-            <pc:docMk/>
-            <pc:sldMk cId="164279849" sldId="285"/>
-            <ac:spMk id="17" creationId="{CE3D9283-1C89-476E-B155-30C660DD4E54}"/>
-          </ac:spMkLst>
-        </pc:spChg>
-        <pc:spChg chg="add mod">
-          <ac:chgData name="石山　寛子" userId="0e32af57-cd92-49ab-aaae-78800bb468da" providerId="ADAL" clId="{D789221C-E0F0-4406-ADE9-2B36592AC7D5}" dt="2021-09-14T12:50:39.517" v="2809" actId="20577"/>
-          <ac:spMkLst>
-            <pc:docMk/>
-            <pc:sldMk cId="164279849" sldId="285"/>
-            <ac:spMk id="18" creationId="{38CE983C-2F2F-409E-B248-5E61E1CB05B3}"/>
-          </ac:spMkLst>
-        </pc:spChg>
-        <pc:spChg chg="add mod">
-          <ac:chgData name="石山　寛子" userId="0e32af57-cd92-49ab-aaae-78800bb468da" providerId="ADAL" clId="{D789221C-E0F0-4406-ADE9-2B36592AC7D5}" dt="2021-09-14T12:50:23.684" v="2771" actId="1036"/>
-          <ac:spMkLst>
-            <pc:docMk/>
-            <pc:sldMk cId="164279849" sldId="285"/>
-            <ac:spMk id="19" creationId="{46979F21-850F-4127-9831-DEAE4F98CE3C}"/>
-          </ac:spMkLst>
-        </pc:spChg>
-        <pc:grpChg chg="add mod">
-          <ac:chgData name="石山　寛子" userId="0e32af57-cd92-49ab-aaae-78800bb468da" providerId="ADAL" clId="{D789221C-E0F0-4406-ADE9-2B36592AC7D5}" dt="2021-09-14T12:42:51.312" v="2303" actId="12788"/>
-          <ac:grpSpMkLst>
-            <pc:docMk/>
-            <pc:sldMk cId="164279849" sldId="285"/>
-            <ac:grpSpMk id="15" creationId="{C8D68F5C-110F-4591-B141-542ED13AA8AF}"/>
-          </ac:grpSpMkLst>
-        </pc:grpChg>
-        <pc:picChg chg="mod">
-          <ac:chgData name="石山　寛子" userId="0e32af57-cd92-49ab-aaae-78800bb468da" providerId="ADAL" clId="{D789221C-E0F0-4406-ADE9-2B36592AC7D5}" dt="2021-09-14T12:42:45.009" v="2302" actId="164"/>
-          <ac:picMkLst>
-            <pc:docMk/>
-            <pc:sldMk cId="164279849" sldId="285"/>
-            <ac:picMk id="6" creationId="{5A310BBA-8E01-4A1A-91BE-2F7F4A0ACD5F}"/>
-          </ac:picMkLst>
-        </pc:picChg>
-        <pc:picChg chg="mod">
-          <ac:chgData name="石山　寛子" userId="0e32af57-cd92-49ab-aaae-78800bb468da" providerId="ADAL" clId="{D789221C-E0F0-4406-ADE9-2B36592AC7D5}" dt="2021-09-14T12:42:45.009" v="2302" actId="164"/>
-          <ac:picMkLst>
-            <pc:docMk/>
-            <pc:sldMk cId="164279849" sldId="285"/>
-            <ac:picMk id="8" creationId="{617F2020-7906-40C5-A556-DD9E4168E32B}"/>
-          </ac:picMkLst>
-        </pc:picChg>
-      </pc:sldChg>
-      <pc:sldChg chg="modSp add mod">
-        <pc:chgData name="石山　寛子" userId="0e32af57-cd92-49ab-aaae-78800bb468da" providerId="ADAL" clId="{D789221C-E0F0-4406-ADE9-2B36592AC7D5}" dt="2021-09-14T12:50:00.736" v="2766" actId="20577"/>
-        <pc:sldMkLst>
-          <pc:docMk/>
-          <pc:sldMk cId="3349033237" sldId="286"/>
-        </pc:sldMkLst>
-        <pc:spChg chg="mod">
-          <ac:chgData name="石山　寛子" userId="0e32af57-cd92-49ab-aaae-78800bb468da" providerId="ADAL" clId="{D789221C-E0F0-4406-ADE9-2B36592AC7D5}" dt="2021-09-14T12:48:30.941" v="2525" actId="20577"/>
-          <ac:spMkLst>
-            <pc:docMk/>
-            <pc:sldMk cId="3349033237" sldId="286"/>
-            <ac:spMk id="2" creationId="{24F3B7A9-92F1-454C-9772-F2FF87705759}"/>
-          </ac:spMkLst>
-        </pc:spChg>
-        <pc:spChg chg="mod">
-          <ac:chgData name="石山　寛子" userId="0e32af57-cd92-49ab-aaae-78800bb468da" providerId="ADAL" clId="{D789221C-E0F0-4406-ADE9-2B36592AC7D5}" dt="2021-09-14T12:50:00.736" v="2766" actId="20577"/>
-          <ac:spMkLst>
-            <pc:docMk/>
-            <pc:sldMk cId="3349033237" sldId="286"/>
-            <ac:spMk id="3" creationId="{F4097006-97AA-4A8A-A894-9A73486001A7}"/>
-          </ac:spMkLst>
-        </pc:spChg>
-      </pc:sldChg>
-    </pc:docChg>
-  </pc:docChgLst>
-  <pc:docChgLst>
-    <pc:chgData name="玉造　潤史" userId="S::6912876266@utac.u-tokyo.ac.jp::0be71875-873b-465c-afd9-2857e2860bc4" providerId="AD" clId="Web-{3230104B-6400-4AB4-BC0B-B015D8E0655B}"/>
-    <pc:docChg chg="addSld modSld">
-      <pc:chgData name="玉造　潤史" userId="S::6912876266@utac.u-tokyo.ac.jp::0be71875-873b-465c-afd9-2857e2860bc4" providerId="AD" clId="Web-{3230104B-6400-4AB4-BC0B-B015D8E0655B}" dt="2021-09-13T06:16:02.175" v="44" actId="20577"/>
-      <pc:docMkLst>
-        <pc:docMk/>
-      </pc:docMkLst>
-      <pc:sldChg chg="modSp">
-        <pc:chgData name="玉造　潤史" userId="S::6912876266@utac.u-tokyo.ac.jp::0be71875-873b-465c-afd9-2857e2860bc4" providerId="AD" clId="Web-{3230104B-6400-4AB4-BC0B-B015D8E0655B}" dt="2021-09-13T06:16:02.175" v="44" actId="20577"/>
-        <pc:sldMkLst>
-          <pc:docMk/>
-          <pc:sldMk cId="2862783956" sldId="279"/>
-        </pc:sldMkLst>
-        <pc:spChg chg="mod">
-          <ac:chgData name="玉造　潤史" userId="S::6912876266@utac.u-tokyo.ac.jp::0be71875-873b-465c-afd9-2857e2860bc4" providerId="AD" clId="Web-{3230104B-6400-4AB4-BC0B-B015D8E0655B}" dt="2021-09-13T06:16:02.175" v="44" actId="20577"/>
-          <ac:spMkLst>
-            <pc:docMk/>
-            <pc:sldMk cId="2862783956" sldId="279"/>
-            <ac:spMk id="3" creationId="{35F984B4-7DD5-45E1-98E9-3BD32C44D82E}"/>
-          </ac:spMkLst>
-        </pc:spChg>
-      </pc:sldChg>
-      <pc:sldChg chg="modSp new">
-        <pc:chgData name="玉造　潤史" userId="S::6912876266@utac.u-tokyo.ac.jp::0be71875-873b-465c-afd9-2857e2860bc4" providerId="AD" clId="Web-{3230104B-6400-4AB4-BC0B-B015D8E0655B}" dt="2021-09-13T06:15:08.237" v="42" actId="20577"/>
-        <pc:sldMkLst>
-          <pc:docMk/>
-          <pc:sldMk cId="3873903599" sldId="280"/>
-        </pc:sldMkLst>
-        <pc:spChg chg="mod">
-          <ac:chgData name="玉造　潤史" userId="S::6912876266@utac.u-tokyo.ac.jp::0be71875-873b-465c-afd9-2857e2860bc4" providerId="AD" clId="Web-{3230104B-6400-4AB4-BC0B-B015D8E0655B}" dt="2021-09-13T06:14:35.173" v="16" actId="20577"/>
-          <ac:spMkLst>
-            <pc:docMk/>
-            <pc:sldMk cId="3873903599" sldId="280"/>
-            <ac:spMk id="2" creationId="{FBD8DA79-B429-491D-B8D2-A6E49375B517}"/>
-          </ac:spMkLst>
-        </pc:spChg>
-        <pc:spChg chg="mod">
-          <ac:chgData name="玉造　潤史" userId="S::6912876266@utac.u-tokyo.ac.jp::0be71875-873b-465c-afd9-2857e2860bc4" providerId="AD" clId="Web-{3230104B-6400-4AB4-BC0B-B015D8E0655B}" dt="2021-09-13T06:15:08.237" v="42" actId="20577"/>
-          <ac:spMkLst>
-            <pc:docMk/>
-            <pc:sldMk cId="3873903599" sldId="280"/>
-            <ac:spMk id="3" creationId="{CAFAED61-A706-4EE5-8F3F-061BB3680111}"/>
-          </ac:spMkLst>
-        </pc:spChg>
-      </pc:sldChg>
-      <pc:sldChg chg="modSp new">
-        <pc:chgData name="玉造　潤史" userId="S::6912876266@utac.u-tokyo.ac.jp::0be71875-873b-465c-afd9-2857e2860bc4" providerId="AD" clId="Web-{3230104B-6400-4AB4-BC0B-B015D8E0655B}" dt="2021-09-13T06:14:47.299" v="27" actId="20577"/>
-        <pc:sldMkLst>
-          <pc:docMk/>
-          <pc:sldMk cId="3298545345" sldId="281"/>
-        </pc:sldMkLst>
-        <pc:spChg chg="mod">
-          <ac:chgData name="玉造　潤史" userId="S::6912876266@utac.u-tokyo.ac.jp::0be71875-873b-465c-afd9-2857e2860bc4" providerId="AD" clId="Web-{3230104B-6400-4AB4-BC0B-B015D8E0655B}" dt="2021-09-13T06:14:47.299" v="27" actId="20577"/>
-          <ac:spMkLst>
-            <pc:docMk/>
-            <pc:sldMk cId="3298545345" sldId="281"/>
-            <ac:spMk id="2" creationId="{24F3B7A9-92F1-454C-9772-F2FF87705759}"/>
-          </ac:spMkLst>
-        </pc:spChg>
-      </pc:sldChg>
-    </pc:docChg>
-  </pc:docChgLst>
-  <pc:docChgLst>
-    <pc:chgData name="石山　寛子" userId="S::4044369928@utac.u-tokyo.ac.jp::0e32af57-cd92-49ab-aaae-78800bb468da" providerId="AD" clId="Web-{388D491C-7AF0-5547-DB03-33B460A66B09}"/>
-    <pc:docChg chg="modSld">
-      <pc:chgData name="石山　寛子" userId="S::4044369928@utac.u-tokyo.ac.jp::0e32af57-cd92-49ab-aaae-78800bb468da" providerId="AD" clId="Web-{388D491C-7AF0-5547-DB03-33B460A66B09}" dt="2021-09-14T12:51:33.421" v="0" actId="20577"/>
-      <pc:docMkLst>
-        <pc:docMk/>
-      </pc:docMkLst>
-      <pc:sldChg chg="modSp">
-        <pc:chgData name="石山　寛子" userId="S::4044369928@utac.u-tokyo.ac.jp::0e32af57-cd92-49ab-aaae-78800bb468da" providerId="AD" clId="Web-{388D491C-7AF0-5547-DB03-33B460A66B09}" dt="2021-09-14T12:51:33.421" v="0" actId="20577"/>
-        <pc:sldMkLst>
-          <pc:docMk/>
-          <pc:sldMk cId="3349033237" sldId="286"/>
-        </pc:sldMkLst>
-        <pc:spChg chg="mod">
-          <ac:chgData name="石山　寛子" userId="S::4044369928@utac.u-tokyo.ac.jp::0e32af57-cd92-49ab-aaae-78800bb468da" providerId="AD" clId="Web-{388D491C-7AF0-5547-DB03-33B460A66B09}" dt="2021-09-14T12:51:33.421" v="0" actId="20577"/>
-          <ac:spMkLst>
-            <pc:docMk/>
-            <pc:sldMk cId="3349033237" sldId="286"/>
-            <ac:spMk id="3" creationId="{F4097006-97AA-4A8A-A894-9A73486001A7}"/>
-          </ac:spMkLst>
-        </pc:spChg>
-      </pc:sldChg>
-    </pc:docChg>
-  </pc:docChgLst>
-  <pc:docChgLst>
-    <pc:chgData name="玉造　潤史" userId="0be71875-873b-465c-afd9-2857e2860bc4" providerId="ADAL" clId="{1586D1C7-1B98-49AC-BB6C-5F7659F7EC3C}"/>
-    <pc:docChg chg="undo custSel addSld delSld modSld sldOrd">
-      <pc:chgData name="玉造　潤史" userId="0be71875-873b-465c-afd9-2857e2860bc4" providerId="ADAL" clId="{1586D1C7-1B98-49AC-BB6C-5F7659F7EC3C}" dt="2021-09-14T16:03:22.500" v="1992" actId="478"/>
-      <pc:docMkLst>
-        <pc:docMk/>
-      </pc:docMkLst>
-      <pc:sldChg chg="modSp mod">
-        <pc:chgData name="玉造　潤史" userId="0be71875-873b-465c-afd9-2857e2860bc4" providerId="ADAL" clId="{1586D1C7-1B98-49AC-BB6C-5F7659F7EC3C}" dt="2021-09-13T02:32:07.544" v="495" actId="27636"/>
-        <pc:sldMkLst>
-          <pc:docMk/>
-          <pc:sldMk cId="3462189751" sldId="256"/>
-        </pc:sldMkLst>
-        <pc:spChg chg="mod">
-          <ac:chgData name="玉造　潤史" userId="0be71875-873b-465c-afd9-2857e2860bc4" providerId="ADAL" clId="{1586D1C7-1B98-49AC-BB6C-5F7659F7EC3C}" dt="2021-09-13T02:32:07.544" v="495" actId="27636"/>
-          <ac:spMkLst>
-            <pc:docMk/>
-            <pc:sldMk cId="3462189751" sldId="256"/>
-            <ac:spMk id="2" creationId="{4FC6A189-2B28-4FD8-9454-959CF69550C9}"/>
-          </ac:spMkLst>
-        </pc:spChg>
-        <pc:spChg chg="mod">
-          <ac:chgData name="玉造　潤史" userId="0be71875-873b-465c-afd9-2857e2860bc4" providerId="ADAL" clId="{1586D1C7-1B98-49AC-BB6C-5F7659F7EC3C}" dt="2021-09-13T02:32:07.046" v="494"/>
-          <ac:spMkLst>
-            <pc:docMk/>
-            <pc:sldMk cId="3462189751" sldId="256"/>
-            <ac:spMk id="3" creationId="{17AA00BD-73FD-4F93-8073-973965D2C66B}"/>
-          </ac:spMkLst>
-        </pc:spChg>
-      </pc:sldChg>
-      <pc:sldChg chg="del">
-        <pc:chgData name="玉造　潤史" userId="0be71875-873b-465c-afd9-2857e2860bc4" providerId="ADAL" clId="{1586D1C7-1B98-49AC-BB6C-5F7659F7EC3C}" dt="2021-09-13T02:22:15.640" v="74" actId="2696"/>
-        <pc:sldMkLst>
-          <pc:docMk/>
-          <pc:sldMk cId="2750572914" sldId="257"/>
-        </pc:sldMkLst>
-      </pc:sldChg>
-      <pc:sldChg chg="del">
-        <pc:chgData name="玉造　潤史" userId="0be71875-873b-465c-afd9-2857e2860bc4" providerId="ADAL" clId="{1586D1C7-1B98-49AC-BB6C-5F7659F7EC3C}" dt="2021-09-13T02:22:15.640" v="74" actId="2696"/>
-        <pc:sldMkLst>
-          <pc:docMk/>
-          <pc:sldMk cId="637188176" sldId="258"/>
-        </pc:sldMkLst>
-      </pc:sldChg>
-      <pc:sldChg chg="del">
-        <pc:chgData name="玉造　潤史" userId="0be71875-873b-465c-afd9-2857e2860bc4" providerId="ADAL" clId="{1586D1C7-1B98-49AC-BB6C-5F7659F7EC3C}" dt="2021-09-13T02:22:15.640" v="74" actId="2696"/>
-        <pc:sldMkLst>
-          <pc:docMk/>
-          <pc:sldMk cId="19075915" sldId="259"/>
-        </pc:sldMkLst>
-      </pc:sldChg>
-      <pc:sldChg chg="del">
-        <pc:chgData name="玉造　潤史" userId="0be71875-873b-465c-afd9-2857e2860bc4" providerId="ADAL" clId="{1586D1C7-1B98-49AC-BB6C-5F7659F7EC3C}" dt="2021-09-13T02:22:15.640" v="74" actId="2696"/>
-        <pc:sldMkLst>
-          <pc:docMk/>
-          <pc:sldMk cId="1518145575" sldId="260"/>
-        </pc:sldMkLst>
-      </pc:sldChg>
-      <pc:sldChg chg="del">
-        <pc:chgData name="玉造　潤史" userId="0be71875-873b-465c-afd9-2857e2860bc4" providerId="ADAL" clId="{1586D1C7-1B98-49AC-BB6C-5F7659F7EC3C}" dt="2021-09-13T02:22:15.640" v="74" actId="2696"/>
-        <pc:sldMkLst>
-          <pc:docMk/>
-          <pc:sldMk cId="653180825" sldId="261"/>
-        </pc:sldMkLst>
-      </pc:sldChg>
-      <pc:sldChg chg="del">
-        <pc:chgData name="玉造　潤史" userId="0be71875-873b-465c-afd9-2857e2860bc4" providerId="ADAL" clId="{1586D1C7-1B98-49AC-BB6C-5F7659F7EC3C}" dt="2021-09-13T02:22:15.640" v="74" actId="2696"/>
-        <pc:sldMkLst>
-          <pc:docMk/>
-          <pc:sldMk cId="3076635150" sldId="262"/>
-        </pc:sldMkLst>
-      </pc:sldChg>
-      <pc:sldChg chg="del">
-        <pc:chgData name="玉造　潤史" userId="0be71875-873b-465c-afd9-2857e2860bc4" providerId="ADAL" clId="{1586D1C7-1B98-49AC-BB6C-5F7659F7EC3C}" dt="2021-09-13T02:22:15.640" v="74" actId="2696"/>
-        <pc:sldMkLst>
-          <pc:docMk/>
-          <pc:sldMk cId="2547115971" sldId="263"/>
-        </pc:sldMkLst>
-      </pc:sldChg>
-      <pc:sldChg chg="del">
-        <pc:chgData name="玉造　潤史" userId="0be71875-873b-465c-afd9-2857e2860bc4" providerId="ADAL" clId="{1586D1C7-1B98-49AC-BB6C-5F7659F7EC3C}" dt="2021-09-13T02:22:15.640" v="74" actId="2696"/>
-        <pc:sldMkLst>
-          <pc:docMk/>
-          <pc:sldMk cId="381571366" sldId="264"/>
-        </pc:sldMkLst>
-      </pc:sldChg>
-      <pc:sldChg chg="del">
-        <pc:chgData name="玉造　潤史" userId="0be71875-873b-465c-afd9-2857e2860bc4" providerId="ADAL" clId="{1586D1C7-1B98-49AC-BB6C-5F7659F7EC3C}" dt="2021-09-13T02:22:15.640" v="74" actId="2696"/>
-        <pc:sldMkLst>
-          <pc:docMk/>
-          <pc:sldMk cId="3124294771" sldId="265"/>
-        </pc:sldMkLst>
-      </pc:sldChg>
-      <pc:sldChg chg="addSp delSp modSp mod">
-        <pc:chgData name="玉造　潤史" userId="0be71875-873b-465c-afd9-2857e2860bc4" providerId="ADAL" clId="{1586D1C7-1B98-49AC-BB6C-5F7659F7EC3C}" dt="2021-09-14T15:58:28.549" v="1775" actId="113"/>
-        <pc:sldMkLst>
-          <pc:docMk/>
-          <pc:sldMk cId="437990256" sldId="266"/>
-        </pc:sldMkLst>
-        <pc:spChg chg="mod">
-          <ac:chgData name="玉造　潤史" userId="0be71875-873b-465c-afd9-2857e2860bc4" providerId="ADAL" clId="{1586D1C7-1B98-49AC-BB6C-5F7659F7EC3C}" dt="2021-09-14T15:58:28.549" v="1775" actId="113"/>
-          <ac:spMkLst>
-            <pc:docMk/>
-            <pc:sldMk cId="437990256" sldId="266"/>
-            <ac:spMk id="2" creationId="{BAB75E1C-A290-42EE-A865-7A886F416410}"/>
-          </ac:spMkLst>
-        </pc:spChg>
-        <pc:spChg chg="mod">
-          <ac:chgData name="玉造　潤史" userId="0be71875-873b-465c-afd9-2857e2860bc4" providerId="ADAL" clId="{1586D1C7-1B98-49AC-BB6C-5F7659F7EC3C}" dt="2021-09-13T02:32:49.148" v="510" actId="20577"/>
-          <ac:spMkLst>
-            <pc:docMk/>
-            <pc:sldMk cId="437990256" sldId="266"/>
-            <ac:spMk id="3" creationId="{6A81EE8A-36F2-4F99-A26A-2AB80CD7034C}"/>
-          </ac:spMkLst>
-        </pc:spChg>
-        <pc:spChg chg="add del mod">
-          <ac:chgData name="玉造　潤史" userId="0be71875-873b-465c-afd9-2857e2860bc4" providerId="ADAL" clId="{1586D1C7-1B98-49AC-BB6C-5F7659F7EC3C}" dt="2021-09-14T15:34:01.356" v="710" actId="478"/>
-          <ac:spMkLst>
-            <pc:docMk/>
-            <pc:sldMk cId="437990256" sldId="266"/>
-            <ac:spMk id="4" creationId="{BC9148AB-2CA3-4C4D-B3C7-7798016384D3}"/>
-          </ac:spMkLst>
-        </pc:spChg>
-        <pc:spChg chg="add del">
-          <ac:chgData name="玉造　潤史" userId="0be71875-873b-465c-afd9-2857e2860bc4" providerId="ADAL" clId="{1586D1C7-1B98-49AC-BB6C-5F7659F7EC3C}" dt="2021-09-14T15:34:38.306" v="712" actId="478"/>
-          <ac:spMkLst>
-            <pc:docMk/>
-            <pc:sldMk cId="437990256" sldId="266"/>
-            <ac:spMk id="5" creationId="{119ABE8D-9B31-4225-9FCD-5F935AD44F54}"/>
-          </ac:spMkLst>
-        </pc:spChg>
-      </pc:sldChg>
-      <pc:sldChg chg="addSp delSp modSp mod">
-        <pc:chgData name="玉造　潤史" userId="0be71875-873b-465c-afd9-2857e2860bc4" providerId="ADAL" clId="{1586D1C7-1B98-49AC-BB6C-5F7659F7EC3C}" dt="2021-09-14T15:56:46.898" v="1664" actId="27636"/>
-        <pc:sldMkLst>
-          <pc:docMk/>
-          <pc:sldMk cId="848943970" sldId="267"/>
-        </pc:sldMkLst>
-        <pc:spChg chg="mod">
-          <ac:chgData name="玉造　潤史" userId="0be71875-873b-465c-afd9-2857e2860bc4" providerId="ADAL" clId="{1586D1C7-1B98-49AC-BB6C-5F7659F7EC3C}" dt="2021-09-14T15:55:00.333" v="1516" actId="20577"/>
-          <ac:spMkLst>
-            <pc:docMk/>
-            <pc:sldMk cId="848943970" sldId="267"/>
-            <ac:spMk id="2" creationId="{E43EBC60-C5B6-4D2D-9F9D-FB29293CEFC3}"/>
-          </ac:spMkLst>
-        </pc:spChg>
-        <pc:spChg chg="mod">
-          <ac:chgData name="玉造　潤史" userId="0be71875-873b-465c-afd9-2857e2860bc4" providerId="ADAL" clId="{1586D1C7-1B98-49AC-BB6C-5F7659F7EC3C}" dt="2021-09-14T15:56:46.898" v="1664" actId="27636"/>
-          <ac:spMkLst>
-            <pc:docMk/>
-            <pc:sldMk cId="848943970" sldId="267"/>
-            <ac:spMk id="3" creationId="{92A3C171-8B15-49FA-9C38-FA06F88DC657}"/>
-          </ac:spMkLst>
-        </pc:spChg>
-        <pc:spChg chg="del">
-          <ac:chgData name="玉造　潤史" userId="0be71875-873b-465c-afd9-2857e2860bc4" providerId="ADAL" clId="{1586D1C7-1B98-49AC-BB6C-5F7659F7EC3C}" dt="2021-09-14T15:42:21.668" v="864" actId="478"/>
-          <ac:spMkLst>
-            <pc:docMk/>
-            <pc:sldMk cId="848943970" sldId="267"/>
-            <ac:spMk id="4" creationId="{B8DF3B50-C2BC-4A1B-9C5A-05764D2B4B39}"/>
-          </ac:spMkLst>
-        </pc:spChg>
-        <pc:spChg chg="add mod">
-          <ac:chgData name="玉造　潤史" userId="0be71875-873b-465c-afd9-2857e2860bc4" providerId="ADAL" clId="{1586D1C7-1B98-49AC-BB6C-5F7659F7EC3C}" dt="2021-09-13T02:35:13.944" v="618" actId="1076"/>
-          <ac:spMkLst>
-            <pc:docMk/>
-            <pc:sldMk cId="848943970" sldId="267"/>
-            <ac:spMk id="5" creationId="{D0850D11-94F0-49F2-96A9-C913170567DE}"/>
-          </ac:spMkLst>
-        </pc:spChg>
-        <pc:spChg chg="add mod">
-          <ac:chgData name="玉造　潤史" userId="0be71875-873b-465c-afd9-2857e2860bc4" providerId="ADAL" clId="{1586D1C7-1B98-49AC-BB6C-5F7659F7EC3C}" dt="2021-09-14T15:56:03.834" v="1589" actId="1076"/>
-          <ac:spMkLst>
-            <pc:docMk/>
-            <pc:sldMk cId="848943970" sldId="267"/>
-            <ac:spMk id="8" creationId="{D8687509-7298-4F03-ABC6-C0B7BE6B35A9}"/>
-          </ac:spMkLst>
-        </pc:spChg>
-        <pc:picChg chg="add mod">
-          <ac:chgData name="玉造　潤史" userId="0be71875-873b-465c-afd9-2857e2860bc4" providerId="ADAL" clId="{1586D1C7-1B98-49AC-BB6C-5F7659F7EC3C}" dt="2021-09-14T15:55:27.912" v="1524" actId="1076"/>
-          <ac:picMkLst>
-            <pc:docMk/>
-            <pc:sldMk cId="848943970" sldId="267"/>
-            <ac:picMk id="6" creationId="{4022CBAE-157A-4760-9250-80188F1B45B6}"/>
-          </ac:picMkLst>
-        </pc:picChg>
-        <pc:picChg chg="add mod">
-          <ac:chgData name="玉造　潤史" userId="0be71875-873b-465c-afd9-2857e2860bc4" providerId="ADAL" clId="{1586D1C7-1B98-49AC-BB6C-5F7659F7EC3C}" dt="2021-09-14T15:55:40.523" v="1527" actId="1076"/>
-          <ac:picMkLst>
-            <pc:docMk/>
-            <pc:sldMk cId="848943970" sldId="267"/>
-            <ac:picMk id="7" creationId="{0CD1A77B-DA4C-4AE1-8693-19C524A57CFD}"/>
-          </ac:picMkLst>
-        </pc:picChg>
-      </pc:sldChg>
-      <pc:sldChg chg="delSp modSp del mod">
-        <pc:chgData name="玉造　潤史" userId="0be71875-873b-465c-afd9-2857e2860bc4" providerId="ADAL" clId="{1586D1C7-1B98-49AC-BB6C-5F7659F7EC3C}" dt="2021-09-14T15:56:56.054" v="1665" actId="2696"/>
-        <pc:sldMkLst>
-          <pc:docMk/>
-          <pc:sldMk cId="3050279429" sldId="268"/>
-        </pc:sldMkLst>
-        <pc:spChg chg="mod">
-          <ac:chgData name="玉造　潤史" userId="0be71875-873b-465c-afd9-2857e2860bc4" providerId="ADAL" clId="{1586D1C7-1B98-49AC-BB6C-5F7659F7EC3C}" dt="2021-09-13T02:32:07.046" v="494"/>
-          <ac:spMkLst>
-            <pc:docMk/>
-            <pc:sldMk cId="3050279429" sldId="268"/>
-            <ac:spMk id="2" creationId="{48E1CECB-047E-4D39-9DD8-03B2F9FD5707}"/>
-          </ac:spMkLst>
-        </pc:spChg>
-        <pc:spChg chg="mod">
-          <ac:chgData name="玉造　潤史" userId="0be71875-873b-465c-afd9-2857e2860bc4" providerId="ADAL" clId="{1586D1C7-1B98-49AC-BB6C-5F7659F7EC3C}" dt="2021-09-14T15:54:50.030" v="1512" actId="21"/>
-          <ac:spMkLst>
-            <pc:docMk/>
-            <pc:sldMk cId="3050279429" sldId="268"/>
-            <ac:spMk id="3" creationId="{FBB8EE62-D599-4DBB-B49E-2A62E900177F}"/>
-          </ac:spMkLst>
-        </pc:spChg>
-        <pc:picChg chg="del mod">
-          <ac:chgData name="玉造　潤史" userId="0be71875-873b-465c-afd9-2857e2860bc4" providerId="ADAL" clId="{1586D1C7-1B98-49AC-BB6C-5F7659F7EC3C}" dt="2021-09-14T15:55:14.872" v="1519" actId="21"/>
-          <ac:picMkLst>
-            <pc:docMk/>
-            <pc:sldMk cId="3050279429" sldId="268"/>
-            <ac:picMk id="4" creationId="{0AB497AA-F9E1-42F2-B9EB-1ABAFECD425E}"/>
-          </ac:picMkLst>
-        </pc:picChg>
-      </pc:sldChg>
-      <pc:sldChg chg="modSp mod ord">
-        <pc:chgData name="玉造　潤史" userId="0be71875-873b-465c-afd9-2857e2860bc4" providerId="ADAL" clId="{1586D1C7-1B98-49AC-BB6C-5F7659F7EC3C}" dt="2021-09-14T15:58:07.761" v="1773" actId="20577"/>
-        <pc:sldMkLst>
-          <pc:docMk/>
-          <pc:sldMk cId="2737606163" sldId="269"/>
-        </pc:sldMkLst>
-        <pc:spChg chg="mod">
-          <ac:chgData name="玉造　潤史" userId="0be71875-873b-465c-afd9-2857e2860bc4" providerId="ADAL" clId="{1586D1C7-1B98-49AC-BB6C-5F7659F7EC3C}" dt="2021-09-13T02:32:07.046" v="494"/>
-          <ac:spMkLst>
-            <pc:docMk/>
-            <pc:sldMk cId="2737606163" sldId="269"/>
-            <ac:spMk id="2" creationId="{4E87B2DA-30AC-4E4B-B9AD-F357FC5DDF4E}"/>
-          </ac:spMkLst>
-        </pc:spChg>
-        <pc:spChg chg="mod">
-          <ac:chgData name="玉造　潤史" userId="0be71875-873b-465c-afd9-2857e2860bc4" providerId="ADAL" clId="{1586D1C7-1B98-49AC-BB6C-5F7659F7EC3C}" dt="2021-09-14T15:58:07.761" v="1773" actId="20577"/>
-          <ac:spMkLst>
-            <pc:docMk/>
-            <pc:sldMk cId="2737606163" sldId="269"/>
-            <ac:spMk id="3" creationId="{6564DA11-2A62-4BE6-8925-3E5B6DFA575B}"/>
-          </ac:spMkLst>
-        </pc:spChg>
-      </pc:sldChg>
-      <pc:sldChg chg="modSp mod">
-        <pc:chgData name="玉造　潤史" userId="0be71875-873b-465c-afd9-2857e2860bc4" providerId="ADAL" clId="{1586D1C7-1B98-49AC-BB6C-5F7659F7EC3C}" dt="2021-09-14T15:41:19.684" v="842" actId="113"/>
-        <pc:sldMkLst>
-          <pc:docMk/>
-          <pc:sldMk cId="220237000" sldId="270"/>
-        </pc:sldMkLst>
-        <pc:spChg chg="mod">
-          <ac:chgData name="玉造　潤史" userId="0be71875-873b-465c-afd9-2857e2860bc4" providerId="ADAL" clId="{1586D1C7-1B98-49AC-BB6C-5F7659F7EC3C}" dt="2021-09-13T02:32:07.046" v="494"/>
-          <ac:spMkLst>
-            <pc:docMk/>
-            <pc:sldMk cId="220237000" sldId="270"/>
-            <ac:spMk id="2" creationId="{126C567C-39A7-4C78-B52A-B04EC6EEF2FA}"/>
-          </ac:spMkLst>
-        </pc:spChg>
-        <pc:spChg chg="mod">
-          <ac:chgData name="玉造　潤史" userId="0be71875-873b-465c-afd9-2857e2860bc4" providerId="ADAL" clId="{1586D1C7-1B98-49AC-BB6C-5F7659F7EC3C}" dt="2021-09-14T15:41:19.684" v="842" actId="113"/>
-          <ac:spMkLst>
-            <pc:docMk/>
-            <pc:sldMk cId="220237000" sldId="270"/>
-            <ac:spMk id="3" creationId="{1C64862B-D650-4904-872E-78FC4799F47A}"/>
-          </ac:spMkLst>
-        </pc:spChg>
-      </pc:sldChg>
-      <pc:sldChg chg="modSp mod">
-        <pc:chgData name="玉造　潤史" userId="0be71875-873b-465c-afd9-2857e2860bc4" providerId="ADAL" clId="{1586D1C7-1B98-49AC-BB6C-5F7659F7EC3C}" dt="2021-09-14T16:00:41.064" v="1893" actId="113"/>
-        <pc:sldMkLst>
-          <pc:docMk/>
-          <pc:sldMk cId="2002389591" sldId="271"/>
-        </pc:sldMkLst>
-        <pc:spChg chg="mod">
-          <ac:chgData name="玉造　潤史" userId="0be71875-873b-465c-afd9-2857e2860bc4" providerId="ADAL" clId="{1586D1C7-1B98-49AC-BB6C-5F7659F7EC3C}" dt="2021-09-14T15:58:58.276" v="1824"/>
-          <ac:spMkLst>
-            <pc:docMk/>
-            <pc:sldMk cId="2002389591" sldId="271"/>
-            <ac:spMk id="2" creationId="{EDF08250-8989-43E9-A8AC-9AB9C64C5577}"/>
-          </ac:spMkLst>
-        </pc:spChg>
-        <pc:spChg chg="mod">
-          <ac:chgData name="玉造　潤史" userId="0be71875-873b-465c-afd9-2857e2860bc4" providerId="ADAL" clId="{1586D1C7-1B98-49AC-BB6C-5F7659F7EC3C}" dt="2021-09-14T16:00:41.064" v="1893" actId="113"/>
-          <ac:spMkLst>
-            <pc:docMk/>
-            <pc:sldMk cId="2002389591" sldId="271"/>
-            <ac:spMk id="3" creationId="{5BEC8F45-C5C6-4251-A05C-7603A3C0DB31}"/>
-          </ac:spMkLst>
-        </pc:spChg>
-      </pc:sldChg>
-      <pc:sldChg chg="modSp del mod">
-        <pc:chgData name="玉造　潤史" userId="0be71875-873b-465c-afd9-2857e2860bc4" providerId="ADAL" clId="{1586D1C7-1B98-49AC-BB6C-5F7659F7EC3C}" dt="2021-09-14T15:45:13.095" v="972" actId="47"/>
-        <pc:sldMkLst>
-          <pc:docMk/>
-          <pc:sldMk cId="4280324466" sldId="272"/>
-        </pc:sldMkLst>
-        <pc:spChg chg="mod">
-          <ac:chgData name="玉造　潤史" userId="0be71875-873b-465c-afd9-2857e2860bc4" providerId="ADAL" clId="{1586D1C7-1B98-49AC-BB6C-5F7659F7EC3C}" dt="2021-09-13T02:32:07.046" v="494"/>
-          <ac:spMkLst>
-            <pc:docMk/>
-            <pc:sldMk cId="4280324466" sldId="272"/>
-            <ac:spMk id="2" creationId="{40D0B466-E984-4421-8A76-723EF1F9CF55}"/>
-          </ac:spMkLst>
-        </pc:spChg>
-        <pc:spChg chg="mod">
-          <ac:chgData name="玉造　潤史" userId="0be71875-873b-465c-afd9-2857e2860bc4" providerId="ADAL" clId="{1586D1C7-1B98-49AC-BB6C-5F7659F7EC3C}" dt="2021-09-13T02:32:07.688" v="497" actId="27636"/>
-          <ac:spMkLst>
-            <pc:docMk/>
-            <pc:sldMk cId="4280324466" sldId="272"/>
-            <ac:spMk id="3" creationId="{E3D9F0C8-8CE6-4E7F-9730-C426418E1279}"/>
-          </ac:spMkLst>
-        </pc:spChg>
-      </pc:sldChg>
-      <pc:sldChg chg="modSp del">
-        <pc:chgData name="玉造　潤史" userId="0be71875-873b-465c-afd9-2857e2860bc4" providerId="ADAL" clId="{1586D1C7-1B98-49AC-BB6C-5F7659F7EC3C}" dt="2021-09-13T02:35:39.447" v="619" actId="47"/>
-        <pc:sldMkLst>
-          <pc:docMk/>
-          <pc:sldMk cId="2136075562" sldId="273"/>
-        </pc:sldMkLst>
-        <pc:spChg chg="mod">
-          <ac:chgData name="玉造　潤史" userId="0be71875-873b-465c-afd9-2857e2860bc4" providerId="ADAL" clId="{1586D1C7-1B98-49AC-BB6C-5F7659F7EC3C}" dt="2021-09-13T02:32:07.046" v="494"/>
-          <ac:spMkLst>
-            <pc:docMk/>
-            <pc:sldMk cId="2136075562" sldId="273"/>
-            <ac:spMk id="2" creationId="{3D167091-6A3B-483A-8A41-95A093B59C82}"/>
-          </ac:spMkLst>
-        </pc:spChg>
-        <pc:spChg chg="mod">
-          <ac:chgData name="玉造　潤史" userId="0be71875-873b-465c-afd9-2857e2860bc4" providerId="ADAL" clId="{1586D1C7-1B98-49AC-BB6C-5F7659F7EC3C}" dt="2021-09-13T02:32:07.046" v="494"/>
-          <ac:spMkLst>
-            <pc:docMk/>
-            <pc:sldMk cId="2136075562" sldId="273"/>
-            <ac:spMk id="3" creationId="{E303C26D-0CC5-4F34-8646-72FEC7B2E743}"/>
-          </ac:spMkLst>
-        </pc:spChg>
-      </pc:sldChg>
-      <pc:sldChg chg="modSp mod">
-        <pc:chgData name="玉造　潤史" userId="0be71875-873b-465c-afd9-2857e2860bc4" providerId="ADAL" clId="{1586D1C7-1B98-49AC-BB6C-5F7659F7EC3C}" dt="2021-09-14T16:01:35.439" v="1977" actId="113"/>
-        <pc:sldMkLst>
-          <pc:docMk/>
-          <pc:sldMk cId="2179756752" sldId="274"/>
-        </pc:sldMkLst>
-        <pc:spChg chg="mod">
-          <ac:chgData name="玉造　潤史" userId="0be71875-873b-465c-afd9-2857e2860bc4" providerId="ADAL" clId="{1586D1C7-1B98-49AC-BB6C-5F7659F7EC3C}" dt="2021-09-13T02:32:07.046" v="494"/>
-          <ac:spMkLst>
-            <pc:docMk/>
-            <pc:sldMk cId="2179756752" sldId="274"/>
-            <ac:spMk id="2" creationId="{4E87B2DA-30AC-4E4B-B9AD-F357FC5DDF4E}"/>
-          </ac:spMkLst>
-        </pc:spChg>
-        <pc:spChg chg="mod">
-          <ac:chgData name="玉造　潤史" userId="0be71875-873b-465c-afd9-2857e2860bc4" providerId="ADAL" clId="{1586D1C7-1B98-49AC-BB6C-5F7659F7EC3C}" dt="2021-09-14T16:01:35.439" v="1977" actId="113"/>
-          <ac:spMkLst>
-            <pc:docMk/>
-            <pc:sldMk cId="2179756752" sldId="274"/>
-            <ac:spMk id="3" creationId="{6564DA11-2A62-4BE6-8925-3E5B6DFA575B}"/>
-          </ac:spMkLst>
-        </pc:spChg>
-      </pc:sldChg>
-      <pc:sldChg chg="modSp mod">
-        <pc:chgData name="玉造　潤史" userId="0be71875-873b-465c-afd9-2857e2860bc4" providerId="ADAL" clId="{1586D1C7-1B98-49AC-BB6C-5F7659F7EC3C}" dt="2021-09-14T15:48:55.778" v="1147"/>
-        <pc:sldMkLst>
-          <pc:docMk/>
-          <pc:sldMk cId="1529631708" sldId="275"/>
-        </pc:sldMkLst>
-        <pc:spChg chg="mod">
-          <ac:chgData name="玉造　潤史" userId="0be71875-873b-465c-afd9-2857e2860bc4" providerId="ADAL" clId="{1586D1C7-1B98-49AC-BB6C-5F7659F7EC3C}" dt="2021-09-13T02:32:07.046" v="494"/>
-          <ac:spMkLst>
-            <pc:docMk/>
-            <pc:sldMk cId="1529631708" sldId="275"/>
-            <ac:spMk id="2" creationId="{126C567C-39A7-4C78-B52A-B04EC6EEF2FA}"/>
-          </ac:spMkLst>
-        </pc:spChg>
-        <pc:spChg chg="mod">
-          <ac:chgData name="玉造　潤史" userId="0be71875-873b-465c-afd9-2857e2860bc4" providerId="ADAL" clId="{1586D1C7-1B98-49AC-BB6C-5F7659F7EC3C}" dt="2021-09-14T15:48:55.778" v="1147"/>
-          <ac:spMkLst>
-            <pc:docMk/>
-            <pc:sldMk cId="1529631708" sldId="275"/>
-            <ac:spMk id="3" creationId="{1C64862B-D650-4904-872E-78FC4799F47A}"/>
-          </ac:spMkLst>
-        </pc:spChg>
-      </pc:sldChg>
-      <pc:sldChg chg="modSp mod">
-        <pc:chgData name="玉造　潤史" userId="0be71875-873b-465c-afd9-2857e2860bc4" providerId="ADAL" clId="{1586D1C7-1B98-49AC-BB6C-5F7659F7EC3C}" dt="2021-09-14T16:02:25.995" v="1991" actId="207"/>
-        <pc:sldMkLst>
-          <pc:docMk/>
-          <pc:sldMk cId="1324235147" sldId="276"/>
-        </pc:sldMkLst>
-        <pc:spChg chg="mod">
-          <ac:chgData name="玉造　潤史" userId="0be71875-873b-465c-afd9-2857e2860bc4" providerId="ADAL" clId="{1586D1C7-1B98-49AC-BB6C-5F7659F7EC3C}" dt="2021-09-14T16:01:57.775" v="1988"/>
-          <ac:spMkLst>
-            <pc:docMk/>
-            <pc:sldMk cId="1324235147" sldId="276"/>
-            <ac:spMk id="2" creationId="{3974114E-C660-4585-B687-EBA166CBF5B7}"/>
-          </ac:spMkLst>
-        </pc:spChg>
-        <pc:spChg chg="mod">
-          <ac:chgData name="玉造　潤史" userId="0be71875-873b-465c-afd9-2857e2860bc4" providerId="ADAL" clId="{1586D1C7-1B98-49AC-BB6C-5F7659F7EC3C}" dt="2021-09-14T16:02:25.995" v="1991" actId="207"/>
-          <ac:spMkLst>
-            <pc:docMk/>
-            <pc:sldMk cId="1324235147" sldId="276"/>
-            <ac:spMk id="3" creationId="{FB04FEED-44CC-4226-AE92-CBBFF32DB0CB}"/>
-          </ac:spMkLst>
-        </pc:spChg>
-      </pc:sldChg>
-      <pc:sldChg chg="modSp mod">
-        <pc:chgData name="玉造　潤史" userId="0be71875-873b-465c-afd9-2857e2860bc4" providerId="ADAL" clId="{1586D1C7-1B98-49AC-BB6C-5F7659F7EC3C}" dt="2021-09-14T15:54:09.843" v="1510"/>
-        <pc:sldMkLst>
-          <pc:docMk/>
-          <pc:sldMk cId="1997666788" sldId="277"/>
-        </pc:sldMkLst>
-        <pc:spChg chg="mod">
-          <ac:chgData name="玉造　潤史" userId="0be71875-873b-465c-afd9-2857e2860bc4" providerId="ADAL" clId="{1586D1C7-1B98-49AC-BB6C-5F7659F7EC3C}" dt="2021-09-13T02:32:07.046" v="494"/>
-          <ac:spMkLst>
-            <pc:docMk/>
-            <pc:sldMk cId="1997666788" sldId="277"/>
-            <ac:spMk id="2" creationId="{4E87B2DA-30AC-4E4B-B9AD-F357FC5DDF4E}"/>
-          </ac:spMkLst>
-        </pc:spChg>
-        <pc:spChg chg="mod">
-          <ac:chgData name="玉造　潤史" userId="0be71875-873b-465c-afd9-2857e2860bc4" providerId="ADAL" clId="{1586D1C7-1B98-49AC-BB6C-5F7659F7EC3C}" dt="2021-09-14T15:54:09.843" v="1510"/>
-          <ac:spMkLst>
-            <pc:docMk/>
-            <pc:sldMk cId="1997666788" sldId="277"/>
-            <ac:spMk id="3" creationId="{6564DA11-2A62-4BE6-8925-3E5B6DFA575B}"/>
-          </ac:spMkLst>
-        </pc:spChg>
-      </pc:sldChg>
-      <pc:sldChg chg="modSp del">
-        <pc:chgData name="玉造　潤史" userId="0be71875-873b-465c-afd9-2857e2860bc4" providerId="ADAL" clId="{1586D1C7-1B98-49AC-BB6C-5F7659F7EC3C}" dt="2021-09-14T15:54:17.334" v="1511" actId="2696"/>
-        <pc:sldMkLst>
-          <pc:docMk/>
-          <pc:sldMk cId="529295725" sldId="278"/>
-        </pc:sldMkLst>
-        <pc:spChg chg="mod">
-          <ac:chgData name="玉造　潤史" userId="0be71875-873b-465c-afd9-2857e2860bc4" providerId="ADAL" clId="{1586D1C7-1B98-49AC-BB6C-5F7659F7EC3C}" dt="2021-09-13T02:32:07.046" v="494"/>
-          <ac:spMkLst>
-            <pc:docMk/>
-            <pc:sldMk cId="529295725" sldId="278"/>
-            <ac:spMk id="2" creationId="{126C567C-39A7-4C78-B52A-B04EC6EEF2FA}"/>
-          </ac:spMkLst>
-        </pc:spChg>
-        <pc:spChg chg="mod">
-          <ac:chgData name="玉造　潤史" userId="0be71875-873b-465c-afd9-2857e2860bc4" providerId="ADAL" clId="{1586D1C7-1B98-49AC-BB6C-5F7659F7EC3C}" dt="2021-09-13T02:32:07.046" v="494"/>
-          <ac:spMkLst>
-            <pc:docMk/>
-            <pc:sldMk cId="529295725" sldId="278"/>
-            <ac:spMk id="3" creationId="{1C64862B-D650-4904-872E-78FC4799F47A}"/>
-          </ac:spMkLst>
-        </pc:spChg>
-      </pc:sldChg>
-      <pc:sldChg chg="modSp new del mod">
-        <pc:chgData name="玉造　潤史" userId="0be71875-873b-465c-afd9-2857e2860bc4" providerId="ADAL" clId="{1586D1C7-1B98-49AC-BB6C-5F7659F7EC3C}" dt="2021-09-14T15:52:25.949" v="1399" actId="2696"/>
-        <pc:sldMkLst>
-          <pc:docMk/>
-          <pc:sldMk cId="2862783956" sldId="279"/>
-        </pc:sldMkLst>
-        <pc:spChg chg="mod">
-          <ac:chgData name="玉造　潤史" userId="0be71875-873b-465c-afd9-2857e2860bc4" providerId="ADAL" clId="{1586D1C7-1B98-49AC-BB6C-5F7659F7EC3C}" dt="2021-09-13T02:32:07.046" v="494"/>
-          <ac:spMkLst>
-            <pc:docMk/>
-            <pc:sldMk cId="2862783956" sldId="279"/>
-            <ac:spMk id="2" creationId="{985FACE9-8F36-423F-A4D7-0A797F199F73}"/>
-          </ac:spMkLst>
-        </pc:spChg>
-        <pc:spChg chg="mod">
-          <ac:chgData name="玉造　潤史" userId="0be71875-873b-465c-afd9-2857e2860bc4" providerId="ADAL" clId="{1586D1C7-1B98-49AC-BB6C-5F7659F7EC3C}" dt="2021-09-13T02:32:07.046" v="494"/>
-          <ac:spMkLst>
-            <pc:docMk/>
-            <pc:sldMk cId="2862783956" sldId="279"/>
-            <ac:spMk id="3" creationId="{35F984B4-7DD5-45E1-98E9-3BD32C44D82E}"/>
-          </ac:spMkLst>
-        </pc:spChg>
-      </pc:sldChg>
-      <pc:sldChg chg="del">
-        <pc:chgData name="玉造　潤史" userId="0be71875-873b-465c-afd9-2857e2860bc4" providerId="ADAL" clId="{1586D1C7-1B98-49AC-BB6C-5F7659F7EC3C}" dt="2021-09-14T15:52:25.949" v="1399" actId="2696"/>
-        <pc:sldMkLst>
-          <pc:docMk/>
-          <pc:sldMk cId="3298545345" sldId="281"/>
-        </pc:sldMkLst>
-      </pc:sldChg>
-      <pc:sldChg chg="delSp mod">
-        <pc:chgData name="玉造　潤史" userId="0be71875-873b-465c-afd9-2857e2860bc4" providerId="ADAL" clId="{1586D1C7-1B98-49AC-BB6C-5F7659F7EC3C}" dt="2021-09-14T16:03:22.500" v="1992" actId="478"/>
-        <pc:sldMkLst>
-          <pc:docMk/>
-          <pc:sldMk cId="391348628" sldId="282"/>
-        </pc:sldMkLst>
-        <pc:spChg chg="del">
-          <ac:chgData name="玉造　潤史" userId="0be71875-873b-465c-afd9-2857e2860bc4" providerId="ADAL" clId="{1586D1C7-1B98-49AC-BB6C-5F7659F7EC3C}" dt="2021-09-14T16:03:22.500" v="1992" actId="478"/>
-          <ac:spMkLst>
-            <pc:docMk/>
-            <pc:sldMk cId="391348628" sldId="282"/>
-            <ac:spMk id="4" creationId="{296AAFB4-B0EF-4D4F-9752-A0986DC2A9EC}"/>
-          </ac:spMkLst>
-        </pc:spChg>
-      </pc:sldChg>
-      <pc:sldChg chg="del">
-        <pc:chgData name="玉造　潤史" userId="0be71875-873b-465c-afd9-2857e2860bc4" providerId="ADAL" clId="{1586D1C7-1B98-49AC-BB6C-5F7659F7EC3C}" dt="2021-09-14T15:52:25.949" v="1399" actId="2696"/>
-        <pc:sldMkLst>
-          <pc:docMk/>
-          <pc:sldMk cId="2778571814" sldId="283"/>
-        </pc:sldMkLst>
-      </pc:sldChg>
-    </pc:docChg>
-  </pc:docChgLst>
-  <pc:docChgLst>
-    <pc:chgData name="玉造　潤史" userId="S::6912876266@utac.u-tokyo.ac.jp::0be71875-873b-465c-afd9-2857e2860bc4" providerId="AD" clId="Web-{E4DF769C-E369-4078-B6A9-495E031EBC6D}"/>
-    <pc:docChg chg="modSld">
-      <pc:chgData name="玉造　潤史" userId="S::6912876266@utac.u-tokyo.ac.jp::0be71875-873b-465c-afd9-2857e2860bc4" providerId="AD" clId="Web-{E4DF769C-E369-4078-B6A9-495E031EBC6D}" dt="2021-09-14T15:43:58.905" v="34" actId="1076"/>
-      <pc:docMkLst>
-        <pc:docMk/>
-      </pc:docMkLst>
-      <pc:sldChg chg="addSp modSp">
-        <pc:chgData name="玉造　潤史" userId="S::6912876266@utac.u-tokyo.ac.jp::0be71875-873b-465c-afd9-2857e2860bc4" providerId="AD" clId="Web-{E4DF769C-E369-4078-B6A9-495E031EBC6D}" dt="2021-09-14T15:43:39.842" v="28" actId="20577"/>
-        <pc:sldMkLst>
-          <pc:docMk/>
-          <pc:sldMk cId="437990256" sldId="266"/>
-        </pc:sldMkLst>
-        <pc:spChg chg="mod">
-          <ac:chgData name="玉造　潤史" userId="S::6912876266@utac.u-tokyo.ac.jp::0be71875-873b-465c-afd9-2857e2860bc4" providerId="AD" clId="Web-{E4DF769C-E369-4078-B6A9-495E031EBC6D}" dt="2021-09-14T15:43:39.842" v="28" actId="20577"/>
-          <ac:spMkLst>
-            <pc:docMk/>
-            <pc:sldMk cId="437990256" sldId="266"/>
-            <ac:spMk id="3" creationId="{6A81EE8A-36F2-4F99-A26A-2AB80CD7034C}"/>
-          </ac:spMkLst>
-        </pc:spChg>
-        <pc:picChg chg="add mod">
-          <ac:chgData name="玉造　潤史" userId="S::6912876266@utac.u-tokyo.ac.jp::0be71875-873b-465c-afd9-2857e2860bc4" providerId="AD" clId="Web-{E4DF769C-E369-4078-B6A9-495E031EBC6D}" dt="2021-09-14T15:38:32.894" v="3" actId="1076"/>
-          <ac:picMkLst>
-            <pc:docMk/>
-            <pc:sldMk cId="437990256" sldId="266"/>
-            <ac:picMk id="4" creationId="{22FF43E5-AEFA-436D-9F61-3A27606DADC5}"/>
-          </ac:picMkLst>
-        </pc:picChg>
-      </pc:sldChg>
-      <pc:sldChg chg="addSp modSp">
-        <pc:chgData name="玉造　潤史" userId="S::6912876266@utac.u-tokyo.ac.jp::0be71875-873b-465c-afd9-2857e2860bc4" providerId="AD" clId="Web-{E4DF769C-E369-4078-B6A9-495E031EBC6D}" dt="2021-09-14T15:43:58.905" v="34" actId="1076"/>
-        <pc:sldMkLst>
-          <pc:docMk/>
-          <pc:sldMk cId="3050279429" sldId="268"/>
-        </pc:sldMkLst>
-        <pc:picChg chg="add mod">
-          <ac:chgData name="玉造　潤史" userId="S::6912876266@utac.u-tokyo.ac.jp::0be71875-873b-465c-afd9-2857e2860bc4" providerId="AD" clId="Web-{E4DF769C-E369-4078-B6A9-495E031EBC6D}" dt="2021-09-14T15:43:58.905" v="34" actId="1076"/>
-          <ac:picMkLst>
-            <pc:docMk/>
-            <pc:sldMk cId="3050279429" sldId="268"/>
-            <ac:picMk id="4" creationId="{0AB497AA-F9E1-42F2-B9EB-1ABAFECD425E}"/>
-          </ac:picMkLst>
-        </pc:picChg>
-      </pc:sldChg>
-    </pc:docChg>
-  </pc:docChgLst>
-</pc:chgInfo>
 </file>
 
 <file path=ppt/slideLayouts/slideLayout1.xml><?xml version="1.0" encoding="utf-8"?>
@@ -7432,7 +6422,15 @@
             </a:r>
             <a:r>
               <a:rPr kumimoji="1" lang="ja-JP" altLang="en-US"/>
-              <a:t>などを立ち上げながらの授業参加者が増えると通信量が増えます。ご注意ください。</a:t>
+              <a:t>などを立ち上げる授業参加者が増えると教室全体の</a:t>
+            </a:r>
+            <a:r>
+              <a:rPr kumimoji="1" lang="en-US" altLang="ja-JP"/>
+              <a:t>WiFi</a:t>
+            </a:r>
+            <a:r>
+              <a:rPr kumimoji="1" lang="ja-JP" altLang="en-US"/>
+              <a:t>通信量が増えます。ご注意ください。</a:t>
             </a:r>
             <a:endParaRPr kumimoji="1" lang="en-US" altLang="ja-JP"/>
           </a:p>
@@ -8281,7 +7279,7 @@
         <p:spPr>
           <a:xfrm>
             <a:off x="729635" y="2558011"/>
-            <a:ext cx="9791752" cy="3880773"/>
+            <a:ext cx="9791752" cy="1542934"/>
           </a:xfrm>
         </p:spPr>
         <p:txBody>
@@ -8290,35 +7288,54 @@
           </a:bodyPr>
           <a:lstStyle/>
           <a:p>
-            <a:r>
-              <a:rPr lang="ja-JP" altLang="en-US">
+            <a:pPr lvl="1"/>
+            <a:r>
+              <a:rPr lang="ja-JP" altLang="en-US" sz="1800">
                 <a:ea typeface="メイリオ"/>
               </a:rPr>
-              <a:t>フォームに注意事項が書いてあります。</a:t>
-            </a:r>
-            <a:endParaRPr lang="en-US" altLang="ja-JP">
-              <a:ea typeface="メイリオ"/>
-            </a:endParaRPr>
-          </a:p>
-          <a:p>
-            <a:r>
-              <a:rPr lang="ja-JP" altLang="en-US">
-                <a:ea typeface="メイリオ"/>
-              </a:rPr>
-              <a:t>学生から直接申請は不可です。</a:t>
+              <a:t>申請にあたっての注意事項がフォーム上部に書いてあります。</a:t>
             </a:r>
             <a:br>
-              <a:rPr lang="en-US" altLang="ja-JP">
+              <a:rPr lang="en-US" altLang="ja-JP" sz="1800">
                 <a:ea typeface="メイリオ"/>
               </a:rPr>
             </a:br>
             <a:r>
-              <a:rPr lang="ja-JP" altLang="en-US">
+              <a:rPr lang="ja-JP" altLang="en-US" sz="1800">
+                <a:ea typeface="メイリオ"/>
+              </a:rPr>
+              <a:t>ご一読のうえ、ご申請ください。</a:t>
+            </a:r>
+            <a:endParaRPr lang="en-US" altLang="ja-JP" sz="1800">
+              <a:ea typeface="メイリオ"/>
+            </a:endParaRPr>
+          </a:p>
+          <a:p>
+            <a:pPr lvl="1"/>
+            <a:r>
+              <a:rPr lang="ja-JP" altLang="en-US" sz="1800">
+                <a:ea typeface="メイリオ"/>
+              </a:rPr>
+              <a:t>学生ご本人からの直接の申請は受け付けていません。</a:t>
+            </a:r>
+            <a:br>
+              <a:rPr lang="en-US" altLang="ja-JP" sz="1800">
+                <a:ea typeface="メイリオ"/>
+              </a:rPr>
+            </a:br>
+            <a:r>
+              <a:rPr lang="ja-JP" altLang="en-US" sz="1800">
                 <a:ea typeface="メイリオ"/>
               </a:rPr>
               <a:t>学生から要望があった場合は、必ず教職員から申請してください。</a:t>
             </a:r>
-            <a:endParaRPr lang="en-US" altLang="ja-JP">
+            <a:endParaRPr lang="en-US" altLang="ja-JP" sz="1800">
+              <a:ea typeface="メイリオ"/>
+            </a:endParaRPr>
+          </a:p>
+          <a:p>
+            <a:pPr lvl="1"/>
+            <a:endParaRPr lang="ja-JP" altLang="en-US">
               <a:ea typeface="メイリオ"/>
             </a:endParaRPr>
           </a:p>
@@ -8605,7 +7622,9 @@
             </a:endParaRPr>
           </a:p>
           <a:p>
-            <a:endParaRPr lang="en-US" altLang="ja-JP" sz="2000"/>
+            <a:endParaRPr lang="en-US" altLang="ja-JP" sz="2000">
+              <a:ea typeface="メイリオ" panose="020B0604030504040204" pitchFamily="34" charset="-128"/>
+            </a:endParaRPr>
           </a:p>
         </p:txBody>
       </p:sp>
@@ -8670,109 +7689,47 @@
           </a:p>
         </p:txBody>
       </p:sp>
-      <p:grpSp>
-        <p:nvGrpSpPr>
-          <p:cNvPr id="15" name="グループ化 14">
+      <p:pic>
+        <p:nvPicPr>
+          <p:cNvPr id="6" name="図 5" descr="テキスト&#10;&#10;自動的に生成された説明">
             <a:extLst>
               <a:ext uri="{FF2B5EF4-FFF2-40B4-BE49-F238E27FC236}">
-                <a16:creationId xmlns:a16="http://schemas.microsoft.com/office/drawing/2014/main" id="{C8D68F5C-110F-4591-B141-542ED13AA8AF}"/>
+                <a16:creationId xmlns:a16="http://schemas.microsoft.com/office/drawing/2014/main" id="{5A310BBA-8E01-4A1A-91BE-2F7F4A0ACD5F}"/>
               </a:ext>
             </a:extLst>
           </p:cNvPr>
-          <p:cNvGrpSpPr/>
+          <p:cNvPicPr>
+            <a:picLocks noChangeAspect="1"/>
+          </p:cNvPicPr>
           <p:nvPr/>
-        </p:nvGrpSpPr>
-        <p:grpSpPr>
+        </p:nvPicPr>
+        <p:blipFill>
+          <a:blip r:embed="rId2">
+            <a:extLst>
+              <a:ext uri="{28A0092B-C50C-407E-A947-70E740481C1C}">
+                <a14:useLocalDpi xmlns:a14="http://schemas.microsoft.com/office/drawing/2010/main" val="0"/>
+              </a:ext>
+            </a:extLst>
+          </a:blip>
+          <a:stretch>
+            <a:fillRect/>
+          </a:stretch>
+        </p:blipFill>
+        <p:spPr>
           <a:xfrm>
             <a:off x="1509744" y="1400537"/>
-            <a:ext cx="9172512" cy="5105327"/>
-            <a:chOff x="1237202" y="1400537"/>
-            <a:chExt cx="9172512" cy="5105327"/>
+            <a:ext cx="4526989" cy="5105327"/>
           </a:xfrm>
-        </p:grpSpPr>
-        <p:pic>
-          <p:nvPicPr>
-            <p:cNvPr id="6" name="図 5" descr="テキスト&#10;&#10;自動的に生成された説明">
-              <a:extLst>
-                <a:ext uri="{FF2B5EF4-FFF2-40B4-BE49-F238E27FC236}">
-                  <a16:creationId xmlns:a16="http://schemas.microsoft.com/office/drawing/2014/main" id="{5A310BBA-8E01-4A1A-91BE-2F7F4A0ACD5F}"/>
-                </a:ext>
-              </a:extLst>
-            </p:cNvPr>
-            <p:cNvPicPr>
-              <a:picLocks noChangeAspect="1"/>
-            </p:cNvPicPr>
-            <p:nvPr/>
-          </p:nvPicPr>
-          <p:blipFill>
-            <a:blip r:embed="rId2">
-              <a:extLst>
-                <a:ext uri="{28A0092B-C50C-407E-A947-70E740481C1C}">
-                  <a14:useLocalDpi xmlns:a14="http://schemas.microsoft.com/office/drawing/2010/main" val="0"/>
-                </a:ext>
-              </a:extLst>
-            </a:blip>
-            <a:stretch>
-              <a:fillRect/>
-            </a:stretch>
-          </p:blipFill>
-          <p:spPr>
-            <a:xfrm>
-              <a:off x="1237202" y="1400537"/>
-              <a:ext cx="4526989" cy="5105327"/>
-            </a:xfrm>
-            <a:prstGeom prst="rect">
-              <a:avLst/>
-            </a:prstGeom>
-            <a:ln w="3175">
-              <a:solidFill>
-                <a:schemeClr val="tx1"/>
-              </a:solidFill>
-            </a:ln>
-          </p:spPr>
-        </p:pic>
-        <p:pic>
-          <p:nvPicPr>
-            <p:cNvPr id="8" name="図 7" descr="グラフィカル ユーザー インターフェイス, テキスト&#10;&#10;自動的に生成された説明">
-              <a:extLst>
-                <a:ext uri="{FF2B5EF4-FFF2-40B4-BE49-F238E27FC236}">
-                  <a16:creationId xmlns:a16="http://schemas.microsoft.com/office/drawing/2014/main" id="{617F2020-7906-40C5-A556-DD9E4168E32B}"/>
-                </a:ext>
-              </a:extLst>
-            </p:cNvPr>
-            <p:cNvPicPr>
-              <a:picLocks noChangeAspect="1"/>
-            </p:cNvPicPr>
-            <p:nvPr/>
-          </p:nvPicPr>
-          <p:blipFill>
-            <a:blip r:embed="rId3">
-              <a:extLst>
-                <a:ext uri="{28A0092B-C50C-407E-A947-70E740481C1C}">
-                  <a14:useLocalDpi xmlns:a14="http://schemas.microsoft.com/office/drawing/2010/main" val="0"/>
-                </a:ext>
-              </a:extLst>
-            </a:blip>
-            <a:stretch>
-              <a:fillRect/>
-            </a:stretch>
-          </p:blipFill>
-          <p:spPr>
-            <a:xfrm>
-              <a:off x="5876078" y="1400537"/>
-              <a:ext cx="4533636" cy="5105326"/>
-            </a:xfrm>
-            <a:prstGeom prst="rect">
-              <a:avLst/>
-            </a:prstGeom>
-            <a:ln w="3175">
-              <a:solidFill>
-                <a:schemeClr val="tx1"/>
-              </a:solidFill>
-            </a:ln>
-          </p:spPr>
-        </p:pic>
-      </p:grpSp>
+          <a:prstGeom prst="rect">
+            <a:avLst/>
+          </a:prstGeom>
+          <a:ln w="3175">
+            <a:solidFill>
+              <a:schemeClr val="tx1"/>
+            </a:solidFill>
+          </a:ln>
+        </p:spPr>
+      </p:pic>
       <p:sp>
         <p:nvSpPr>
           <p:cNvPr id="16" name="吹き出し: 折線 15">
@@ -8871,6 +7828,47 @@
           </a:p>
         </p:txBody>
       </p:sp>
+      <p:pic>
+        <p:nvPicPr>
+          <p:cNvPr id="5" name="図 4" descr="グラフィカル ユーザー インターフェイス, テキスト&#10;&#10;自動的に生成された説明">
+            <a:extLst>
+              <a:ext uri="{FF2B5EF4-FFF2-40B4-BE49-F238E27FC236}">
+                <a16:creationId xmlns:a16="http://schemas.microsoft.com/office/drawing/2014/main" id="{A943F7A4-DFAD-4AB3-B3F1-CA5E7E42DC24}"/>
+              </a:ext>
+            </a:extLst>
+          </p:cNvPr>
+          <p:cNvPicPr>
+            <a:picLocks noChangeAspect="1"/>
+          </p:cNvPicPr>
+          <p:nvPr/>
+        </p:nvPicPr>
+        <p:blipFill>
+          <a:blip r:embed="rId3">
+            <a:extLst>
+              <a:ext uri="{28A0092B-C50C-407E-A947-70E740481C1C}">
+                <a14:useLocalDpi xmlns:a14="http://schemas.microsoft.com/office/drawing/2010/main" val="0"/>
+              </a:ext>
+            </a:extLst>
+          </a:blip>
+          <a:stretch>
+            <a:fillRect/>
+          </a:stretch>
+        </p:blipFill>
+        <p:spPr>
+          <a:xfrm>
+            <a:off x="6148619" y="1400536"/>
+            <a:ext cx="4533637" cy="5105327"/>
+          </a:xfrm>
+          <a:prstGeom prst="rect">
+            <a:avLst/>
+          </a:prstGeom>
+          <a:ln w="3175">
+            <a:solidFill>
+              <a:schemeClr val="tx1"/>
+            </a:solidFill>
+          </a:ln>
+        </p:spPr>
+      </p:pic>
       <p:sp>
         <p:nvSpPr>
           <p:cNvPr id="18" name="吹き出し: 折線 17">
@@ -9061,7 +8059,7 @@
           </a:xfrm>
         </p:spPr>
         <p:txBody>
-          <a:bodyPr>
+          <a:bodyPr vert="horz" lIns="91440" tIns="45720" rIns="91440" bIns="45720" rtlCol="0" anchor="t">
             <a:noAutofit/>
           </a:bodyPr>
           <a:lstStyle/>
@@ -9094,10 +8092,14 @@
           <a:p>
             <a:pPr lvl="1"/>
             <a:r>
-              <a:rPr lang="ja-JP" altLang="en-US" sz="2000"/>
-              <a:t>ライセンス付与開始希望日、ライセンス付与終了希望日</a:t>
-            </a:r>
-            <a:endParaRPr lang="en-US" altLang="ja-JP" sz="2000"/>
+              <a:rPr lang="ja-JP" altLang="en-US" sz="2000">
+                <a:ea typeface="メイリオ"/>
+              </a:rPr>
+              <a:t>付与開始希望日、付与終了希望日</a:t>
+            </a:r>
+            <a:endParaRPr lang="en-US" altLang="ja-JP" sz="2000">
+              <a:ea typeface="メイリオ"/>
+            </a:endParaRPr>
           </a:p>
           <a:p>
             <a:pPr lvl="1"/>
@@ -9105,34 +8107,50 @@
           </a:p>
           <a:p>
             <a:r>
-              <a:rPr lang="ja-JP" altLang="en-US" sz="2000"/>
+              <a:rPr lang="ja-JP" altLang="en-US" sz="2000">
+                <a:ea typeface="メイリオ"/>
+              </a:rPr>
               <a:t>ライセンスを付与する</a:t>
             </a:r>
             <a:r>
-              <a:rPr lang="en-US" altLang="ja-JP" sz="2000"/>
+              <a:rPr lang="en-US" altLang="ja-JP" sz="2000">
+                <a:ea typeface="メイリオ"/>
+              </a:rPr>
               <a:t>Zoom</a:t>
             </a:r>
             <a:r>
-              <a:rPr lang="ja-JP" altLang="en-US" sz="2000"/>
+              <a:rPr lang="ja-JP" altLang="en-US" sz="2000">
+                <a:ea typeface="メイリオ"/>
+              </a:rPr>
               <a:t>アカウント</a:t>
             </a:r>
-            <a:endParaRPr lang="en-US" altLang="ja-JP" sz="2000"/>
+            <a:endParaRPr lang="en-US" altLang="ja-JP" sz="2000">
+              <a:ea typeface="メイリオ"/>
+            </a:endParaRPr>
           </a:p>
           <a:p>
             <a:pPr lvl="1"/>
             <a:r>
-              <a:rPr lang="ja-JP" altLang="en-US" sz="2000"/>
+              <a:rPr lang="ja-JP" altLang="en-US" sz="2000">
+                <a:ea typeface="メイリオ"/>
+              </a:rPr>
               <a:t>共通</a:t>
             </a:r>
             <a:r>
-              <a:rPr lang="en-US" altLang="ja-JP" sz="2000"/>
+              <a:rPr lang="en-US" altLang="ja-JP" sz="2000">
+                <a:ea typeface="メイリオ"/>
+              </a:rPr>
               <a:t>ID</a:t>
             </a:r>
             <a:r>
-              <a:rPr lang="ja-JP" altLang="en-US" sz="2000"/>
+              <a:rPr lang="ja-JP" altLang="en-US" sz="2000">
+                <a:ea typeface="メイリオ"/>
+              </a:rPr>
               <a:t>の数字</a:t>
             </a:r>
-            <a:endParaRPr lang="en-US" altLang="ja-JP" sz="2000"/>
+            <a:endParaRPr lang="en-US" altLang="ja-JP" sz="2000">
+              <a:ea typeface="メイリオ"/>
+            </a:endParaRPr>
           </a:p>
           <a:p>
             <a:pPr marL="457200" lvl="1" indent="0">
@@ -9254,11 +8272,39 @@
             <a:pPr marL="0" indent="0">
               <a:buNone/>
             </a:pPr>
-            <a:r>
-              <a:rPr lang="ja-JP" altLang="en-US" sz="2000"/>
-              <a:t>　付与作業は手作業。融通を利かせることの可能。一方、余裕を持った申請をお願いします。</a:t>
-            </a:r>
-            <a:endParaRPr lang="en-US" altLang="ja-JP" sz="2000"/>
+            <a:endParaRPr lang="en-US" altLang="ja-JP" sz="2000">
+              <a:ea typeface="メイリオ"/>
+            </a:endParaRPr>
+          </a:p>
+          <a:p>
+            <a:pPr marL="0" indent="0">
+              <a:buNone/>
+            </a:pPr>
+            <a:endParaRPr lang="en-US" altLang="ja-JP" sz="2000">
+              <a:ea typeface="メイリオ"/>
+            </a:endParaRPr>
+          </a:p>
+          <a:p>
+            <a:pPr marL="0" indent="0">
+              <a:buNone/>
+            </a:pPr>
+            <a:endParaRPr lang="en-US" altLang="ja-JP" sz="2000">
+              <a:ea typeface="メイリオ"/>
+            </a:endParaRPr>
+          </a:p>
+          <a:p>
+            <a:pPr marL="0" indent="0">
+              <a:buNone/>
+            </a:pPr>
+            <a:r>
+              <a:rPr lang="ja-JP" altLang="en-US" sz="2000">
+                <a:ea typeface="メイリオ"/>
+              </a:rPr>
+              <a:t>　付与作業は手作業で行っております。余裕を持った申請をお願いします。</a:t>
+            </a:r>
+            <a:endParaRPr lang="en-US" altLang="ja-JP" sz="2000">
+              <a:ea typeface="メイリオ"/>
+            </a:endParaRPr>
           </a:p>
           <a:p>
             <a:endParaRPr lang="ja-JP" altLang="en-US" sz="2000">
@@ -9288,6 +8334,138 @@
           </a:p>
         </p:txBody>
       </p:sp>
+      <p:graphicFrame>
+        <p:nvGraphicFramePr>
+          <p:cNvPr id="4" name="表 4">
+            <a:extLst>
+              <a:ext uri="{FF2B5EF4-FFF2-40B4-BE49-F238E27FC236}">
+                <a16:creationId xmlns:a16="http://schemas.microsoft.com/office/drawing/2014/main" id="{8C0B343C-E271-4FE2-9FC0-4FB22FBB5694}"/>
+              </a:ext>
+            </a:extLst>
+          </p:cNvPr>
+          <p:cNvGraphicFramePr>
+            <a:graphicFrameLocks noGrp="1"/>
+          </p:cNvGraphicFramePr>
+          <p:nvPr>
+            <p:extLst>
+              <p:ext uri="{D42A27DB-BD31-4B8C-83A1-F6EECF244321}">
+                <p14:modId xmlns:p14="http://schemas.microsoft.com/office/powerpoint/2010/main" val="3003066526"/>
+              </p:ext>
+            </p:extLst>
+          </p:nvPr>
+        </p:nvGraphicFramePr>
+        <p:xfrm>
+          <a:off x="1146002" y="2687320"/>
+          <a:ext cx="8128000" cy="1025070"/>
+        </p:xfrm>
+        <a:graphic>
+          <a:graphicData uri="http://schemas.openxmlformats.org/drawingml/2006/table">
+            <a:tbl>
+              <a:tblPr bandRow="1">
+                <a:tableStyleId>{5C22544A-7EE6-4342-B048-85BDC9FD1C3A}</a:tableStyleId>
+              </a:tblPr>
+              <a:tblGrid>
+                <a:gridCol w="4064000">
+                  <a:extLst>
+                    <a:ext uri="{9D8B030D-6E8A-4147-A177-3AD203B41FA5}">
+                      <a16:colId xmlns:a16="http://schemas.microsoft.com/office/drawing/2014/main" val="208473054"/>
+                    </a:ext>
+                  </a:extLst>
+                </a:gridCol>
+                <a:gridCol w="4064000">
+                  <a:extLst>
+                    <a:ext uri="{9D8B030D-6E8A-4147-A177-3AD203B41FA5}">
+                      <a16:colId xmlns:a16="http://schemas.microsoft.com/office/drawing/2014/main" val="112405757"/>
+                    </a:ext>
+                  </a:extLst>
+                </a:gridCol>
+              </a:tblGrid>
+              <a:tr h="512535">
+                <a:tc>
+                  <a:txBody>
+                    <a:bodyPr/>
+                    <a:lstStyle/>
+                    <a:p>
+                      <a:r>
+                        <a:rPr kumimoji="1" lang="ja-JP" altLang="en-US"/>
+                        <a:t>ミーティング</a:t>
+                      </a:r>
+                    </a:p>
+                  </a:txBody>
+                  <a:tcPr/>
+                </a:tc>
+                <a:tc>
+                  <a:txBody>
+                    <a:bodyPr/>
+                    <a:lstStyle/>
+                    <a:p>
+                      <a:r>
+                        <a:rPr kumimoji="1" lang="ja-JP" altLang="en-US"/>
+                        <a:t>付与開始希望日の</a:t>
+                      </a:r>
+                      <a:r>
+                        <a:rPr kumimoji="1" lang="en-US" altLang="ja-JP"/>
+                        <a:t>1</a:t>
+                      </a:r>
+                      <a:r>
+                        <a:rPr kumimoji="1" lang="ja-JP" altLang="en-US"/>
+                        <a:t>週間前まで</a:t>
+                      </a:r>
+                    </a:p>
+                  </a:txBody>
+                  <a:tcPr/>
+                </a:tc>
+                <a:extLst>
+                  <a:ext uri="{0D108BD9-81ED-4DB2-BD59-A6C34878D82A}">
+                    <a16:rowId xmlns:a16="http://schemas.microsoft.com/office/drawing/2014/main" val="922509391"/>
+                  </a:ext>
+                </a:extLst>
+              </a:tr>
+              <a:tr h="512535">
+                <a:tc>
+                  <a:txBody>
+                    <a:bodyPr/>
+                    <a:lstStyle/>
+                    <a:p>
+                      <a:r>
+                        <a:rPr kumimoji="1" lang="ja-JP" altLang="en-US"/>
+                        <a:t>ウェビナー</a:t>
+                      </a:r>
+                    </a:p>
+                  </a:txBody>
+                  <a:tcPr/>
+                </a:tc>
+                <a:tc>
+                  <a:txBody>
+                    <a:bodyPr/>
+                    <a:lstStyle/>
+                    <a:p>
+                      <a:r>
+                        <a:rPr kumimoji="1" lang="ja-JP" altLang="en-US"/>
+                        <a:t>付与開始希望日の</a:t>
+                      </a:r>
+                      <a:r>
+                        <a:rPr kumimoji="1" lang="en-US" altLang="ja-JP"/>
+                        <a:t>2</a:t>
+                      </a:r>
+                      <a:r>
+                        <a:rPr kumimoji="1" lang="ja-JP" altLang="en-US"/>
+                        <a:t>週間前まで</a:t>
+                      </a:r>
+                    </a:p>
+                  </a:txBody>
+                  <a:tcPr/>
+                </a:tc>
+                <a:extLst>
+                  <a:ext uri="{0D108BD9-81ED-4DB2-BD59-A6C34878D82A}">
+                    <a16:rowId xmlns:a16="http://schemas.microsoft.com/office/drawing/2014/main" val="1015465768"/>
+                  </a:ext>
+                </a:extLst>
+              </a:tr>
+            </a:tbl>
+          </a:graphicData>
+        </a:graphic>
+      </p:graphicFrame>
     </p:spTree>
     <p:extLst>
       <p:ext uri="{BB962C8B-B14F-4D97-AF65-F5344CB8AC3E}">
@@ -9459,7 +8637,7 @@
               <a:rPr lang="ja-JP" altLang="en-US">
                 <a:ea typeface="メイリオ"/>
               </a:rPr>
-              <a:t>学外にいてもキャンパス内で </a:t>
+              <a:t>学外にいても </a:t>
             </a:r>
             <a:r>
               <a:rPr lang="en-US" altLang="ja-JP">
@@ -9471,7 +8649,7 @@
               <a:rPr lang="ja-JP" altLang="en-US">
                 <a:ea typeface="メイリオ"/>
               </a:rPr>
-              <a:t>と同じネットワークに接続できます。</a:t>
+              <a:t>と同じネットワーク（学内でネットワークを利用している時と同じ）に接続できます。</a:t>
             </a:r>
             <a:endParaRPr lang="en-US" altLang="ja-JP">
               <a:ea typeface="メイリオ"/>
@@ -9480,22 +8658,28 @@
           <a:p>
             <a:pPr lvl="1"/>
             <a:r>
+              <a:rPr lang="ja-JP" altLang="en-US">
+                <a:ea typeface="メイリオ"/>
+              </a:rPr>
+              <a:t>キャンパス内のみで</a:t>
+            </a:r>
+            <a:r>
               <a:rPr kumimoji="1" lang="ja-JP" altLang="en-US">
                 <a:ea typeface="メイリオ"/>
               </a:rPr>
-              <a:t>大学が学内</a:t>
+              <a:t>提供</a:t>
             </a:r>
             <a:r>
               <a:rPr lang="ja-JP" altLang="en-US">
                 <a:ea typeface="メイリオ"/>
               </a:rPr>
-              <a:t>で</a:t>
+              <a:t>されている</a:t>
             </a:r>
             <a:r>
               <a:rPr kumimoji="1" lang="ja-JP" altLang="en-US">
                 <a:ea typeface="メイリオ"/>
               </a:rPr>
-              <a:t>提供している情報サービスを利用することができます。</a:t>
+              <a:t>情報サービスを利用することができます。</a:t>
             </a:r>
             <a:endParaRPr kumimoji="1" lang="en-US" altLang="ja-JP">
               <a:ea typeface="メイリオ"/>
@@ -9507,7 +8691,19 @@
               <a:rPr kumimoji="1" lang="ja-JP" altLang="en-US">
                 <a:ea typeface="メイリオ"/>
               </a:rPr>
-              <a:t>電子ジャーナルサービスは</a:t>
+              <a:t>これまで認証</a:t>
+            </a:r>
+            <a:r>
+              <a:rPr kumimoji="1" lang="en-US" altLang="ja-JP">
+                <a:ea typeface="メイリオ"/>
+              </a:rPr>
+              <a:t>GW</a:t>
+            </a:r>
+            <a:r>
+              <a:rPr kumimoji="1" lang="ja-JP" altLang="en-US">
+                <a:ea typeface="メイリオ"/>
+              </a:rPr>
+              <a:t>サービスで提供してきた電子ジャーナルは</a:t>
             </a:r>
             <a:r>
               <a:rPr kumimoji="1" lang="en-US" altLang="ja-JP">
@@ -9543,7 +8739,7 @@
               <a:rPr lang="ja-JP" altLang="en-US">
                 <a:ea typeface="メイリオ"/>
               </a:rPr>
-              <a:t>サービスを開始しています。利用者の身分に応じて利用できる外部サービスに接続されます。</a:t>
+              <a:t>サービスでの提供を開始しています。利用者の身分に応じて利用できる外部サービスに接続されます。</a:t>
             </a:r>
             <a:endParaRPr lang="en-US" altLang="ja-JP">
               <a:ea typeface="メイリオ"/>
@@ -9555,7 +8751,7 @@
               <a:rPr lang="ja-JP" altLang="en-US">
                 <a:ea typeface="メイリオ"/>
               </a:rPr>
-              <a:t>電子ジャーナルサービス利用のためには全学教職員向け</a:t>
+              <a:t>電子ジャーナルサービス利用のために全学教職員向け</a:t>
             </a:r>
             <a:r>
               <a:rPr lang="en-US" altLang="ja-JP">
@@ -9853,12 +9049,20 @@
           <a:lstStyle/>
           <a:p>
             <a:r>
-              <a:rPr kumimoji="1" lang="en-US" altLang="ja-JP"/>
+              <a:rPr kumimoji="1" lang="en-US" altLang="ja-JP">
+                <a:hlinkClick r:id="rId2"/>
+              </a:rPr>
               <a:t>UTokyo Portal </a:t>
             </a:r>
             <a:r>
+              <a:rPr kumimoji="1" lang="ja-JP" altLang="en-US">
+                <a:hlinkClick r:id="rId2"/>
+              </a:rPr>
+              <a:t>にサインイン</a:t>
+            </a:r>
+            <a:r>
               <a:rPr kumimoji="1" lang="ja-JP" altLang="en-US"/>
-              <a:t>にサインインします。</a:t>
+              <a:t>します。</a:t>
             </a:r>
             <a:endParaRPr kumimoji="1" lang="en-US" altLang="ja-JP"/>
           </a:p>
@@ -9901,7 +9105,6 @@
               <a:rPr lang="ja-JP" altLang="en-US"/>
               <a:t>多要素認証を設定していないと設定を求められます。）</a:t>
             </a:r>
-            <a:endParaRPr lang="en-US" altLang="ja-JP"/>
           </a:p>
           <a:p>
             <a:r>
@@ -9947,7 +9150,7 @@
             </a:r>
             <a:r>
               <a:rPr kumimoji="1" lang="en-US" altLang="ja-JP">
-                <a:hlinkClick r:id="rId2"/>
+                <a:hlinkClick r:id="rId3"/>
               </a:rPr>
               <a:t>https://vpn1.adm.u-tokyo.ac.jp</a:t>
             </a:r>
@@ -10002,20 +9205,32 @@
           <a:lstStyle/>
           <a:p>
             <a:r>
-              <a:rPr kumimoji="1" lang="en-US" altLang="ja-JP"/>
+              <a:rPr kumimoji="1" lang="en-US" altLang="ja-JP">
+                <a:hlinkClick r:id="rId4"/>
+              </a:rPr>
               <a:t>UTokyo</a:t>
             </a:r>
             <a:r>
+              <a:rPr kumimoji="1" lang="ja-JP" altLang="en-US">
+                <a:hlinkClick r:id="rId4"/>
+              </a:rPr>
+              <a:t> </a:t>
+            </a:r>
+            <a:r>
+              <a:rPr kumimoji="1" lang="en-US" altLang="ja-JP">
+                <a:hlinkClick r:id="rId4"/>
+              </a:rPr>
+              <a:t>Portal</a:t>
+            </a:r>
+            <a:r>
+              <a:rPr kumimoji="1" lang="ja-JP" altLang="en-US">
+                <a:hlinkClick r:id="rId4"/>
+              </a:rPr>
+              <a:t> 便利帳</a:t>
+            </a:r>
+            <a:r>
               <a:rPr kumimoji="1" lang="ja-JP" altLang="en-US"/>
-              <a:t> </a:t>
-            </a:r>
-            <a:r>
-              <a:rPr kumimoji="1" lang="en-US" altLang="ja-JP"/>
-              <a:t>Portal</a:t>
-            </a:r>
-            <a:r>
-              <a:rPr kumimoji="1" lang="ja-JP" altLang="en-US"/>
-              <a:t> 便利帳から提供しています。</a:t>
+              <a:t>から提供しています。</a:t>
             </a:r>
           </a:p>
         </p:txBody>
@@ -10035,7 +9250,7 @@
           <p:nvPr/>
         </p:nvPicPr>
         <p:blipFill>
-          <a:blip r:embed="rId3"/>
+          <a:blip r:embed="rId5"/>
           <a:stretch>
             <a:fillRect/>
           </a:stretch>
@@ -10065,7 +9280,7 @@
           <p:nvPr/>
         </p:nvPicPr>
         <p:blipFill>
-          <a:blip r:embed="rId4"/>
+          <a:blip r:embed="rId6"/>
           <a:stretch>
             <a:fillRect/>
           </a:stretch>
@@ -10204,7 +9419,7 @@
         <p:spPr>
           <a:xfrm>
             <a:off x="838200" y="1825625"/>
-            <a:ext cx="8596668" cy="4351338"/>
+            <a:ext cx="7992291" cy="4351338"/>
           </a:xfrm>
         </p:spPr>
         <p:txBody>
@@ -10212,6 +9427,10 @@
           <a:lstStyle/>
           <a:p>
             <a:r>
+              <a:rPr kumimoji="1" lang="en-US" altLang="ja-JP"/>
+              <a:t>UTokyo VPN</a:t>
+            </a:r>
+            <a:r>
               <a:rPr kumimoji="1" lang="ja-JP" altLang="en-US"/>
               <a:t>利用中は基本的にすべての通信が大学を経由します。</a:t>
             </a:r>
@@ -10232,15 +9451,15 @@
             </a:r>
             <a:r>
               <a:rPr kumimoji="1" lang="ja-JP" altLang="en-US"/>
-              <a:t>などの通信量が多いアプリケーションは直接通信します。</a:t>
-            </a:r>
-            <a:endParaRPr kumimoji="1" lang="en-US" altLang="ja-JP"/>
-          </a:p>
-          <a:p>
-            <a:pPr lvl="1"/>
-            <a:r>
-              <a:rPr kumimoji="1" lang="ja-JP" altLang="en-US"/>
-              <a:t>学外経由での通信になります。</a:t>
+              <a:t>などの通信量が多いアプリケーションは</a:t>
+            </a:r>
+            <a:r>
+              <a:rPr lang="en-US" altLang="ja-JP"/>
+              <a:t>VPN</a:t>
+            </a:r>
+            <a:r>
+              <a:rPr lang="ja-JP" altLang="en-US"/>
+              <a:t>を通りません。</a:t>
             </a:r>
             <a:endParaRPr kumimoji="1" lang="en-US" altLang="ja-JP"/>
           </a:p>
@@ -10417,15 +9636,23 @@
             </a:r>
             <a:r>
               <a:rPr kumimoji="1" lang="ja-JP" altLang="en-US"/>
-              <a:t> は、大学が提供する</a:t>
-            </a:r>
-            <a:r>
-              <a:rPr kumimoji="1" lang="en-US" altLang="ja-JP"/>
+              <a:t> は、全学共通のアカウントとネットワークを提供し、部局が整備した基地局など</a:t>
+            </a:r>
+            <a:r>
+              <a:rPr lang="ja-JP" altLang="en-US"/>
+              <a:t>キャンパス内の</a:t>
+            </a:r>
+            <a:r>
+              <a:rPr lang="en-US" altLang="ja-JP"/>
               <a:t>WiFi</a:t>
             </a:r>
             <a:r>
+              <a:rPr lang="ja-JP" altLang="en-US"/>
+              <a:t>を共通化して</a:t>
+            </a:r>
+            <a:r>
               <a:rPr kumimoji="1" lang="ja-JP" altLang="en-US"/>
-              <a:t>用のアカウントとネットワークを、部局で整備した基地局など全学的に利用できるようにしたものです。</a:t>
+              <a:t>利用できるようにしたものです。</a:t>
             </a:r>
             <a:endParaRPr kumimoji="1" lang="en-US" altLang="ja-JP"/>
           </a:p>
@@ -10749,7 +9976,7 @@
           <p:cNvPr id="2" name="タイトル 1">
             <a:extLst>
               <a:ext uri="{FF2B5EF4-FFF2-40B4-BE49-F238E27FC236}">
-                <a16:creationId xmlns:a16="http://schemas.microsoft.com/office/drawing/2014/main" id="{126C567C-39A7-4C78-B52A-B04EC6EEF2FA}"/>
+                <a16:creationId xmlns:a16="http://schemas.microsoft.com/office/drawing/2014/main" id="{3974114E-C660-4585-B687-EBA166CBF5B7}"/>
               </a:ext>
             </a:extLst>
           </p:cNvPr>
@@ -10767,7 +9994,7 @@
           <a:p>
             <a:r>
               <a:rPr kumimoji="1" lang="ja-JP" altLang="en-US"/>
-              <a:t>セキュリティ対策のお願い</a:t>
+              <a:t>利用申請について</a:t>
             </a:r>
           </a:p>
         </p:txBody>
@@ -10777,7 +10004,7 @@
           <p:cNvPr id="3" name="コンテンツ プレースホルダー 2">
             <a:extLst>
               <a:ext uri="{FF2B5EF4-FFF2-40B4-BE49-F238E27FC236}">
-                <a16:creationId xmlns:a16="http://schemas.microsoft.com/office/drawing/2014/main" id="{1C64862B-D650-4904-872E-78FC4799F47A}"/>
+                <a16:creationId xmlns:a16="http://schemas.microsoft.com/office/drawing/2014/main" id="{FB04FEED-44CC-4226-AE92-CBBFF32DB0CB}"/>
               </a:ext>
             </a:extLst>
           </p:cNvPr>
@@ -10796,83 +10023,129 @@
           <a:lstStyle/>
           <a:p>
             <a:r>
+              <a:rPr kumimoji="1" lang="en-US" altLang="ja-JP">
+                <a:hlinkClick r:id="rId2"/>
+              </a:rPr>
+              <a:t>UTokyo WiFi </a:t>
+            </a:r>
+            <a:r>
+              <a:rPr kumimoji="1" lang="ja-JP" altLang="en-US">
+                <a:hlinkClick r:id="rId2"/>
+              </a:rPr>
+              <a:t>ウェブサイト</a:t>
+            </a:r>
+            <a:r>
               <a:rPr kumimoji="1" lang="ja-JP" altLang="en-US"/>
-              <a:t>大学ネットワークであるため全学</a:t>
-            </a:r>
-            <a:r>
-              <a:rPr kumimoji="1" lang="en-US" altLang="ja-JP"/>
-              <a:t>FW</a:t>
-            </a:r>
-            <a:r>
-              <a:rPr kumimoji="1" lang="ja-JP" altLang="en-US"/>
-              <a:t>を通過します。</a:t>
+              <a:t>から申請を行ってください。</a:t>
             </a:r>
             <a:endParaRPr kumimoji="1" lang="en-US" altLang="ja-JP"/>
           </a:p>
           <a:p>
-            <a:r>
-              <a:rPr lang="ja-JP" altLang="en-US"/>
-              <a:t>セキュリティインシデントを起こしてしまった場合、まずは本人に連絡します。（</a:t>
-            </a:r>
             <a:r>
               <a:rPr lang="ja-JP" altLang="en-US" b="1">
                 <a:solidFill>
                   <a:srgbClr val="FF0000"/>
                 </a:solidFill>
               </a:rPr>
-              <a:t>アカウントを送付したメールアドレス</a:t>
-            </a:r>
-            <a:r>
-              <a:rPr lang="ja-JP" altLang="en-US"/>
-              <a:t>に連絡します。）</a:t>
+              <a:t>あらかじめメールアドレスの登録が必要です。</a:t>
+            </a:r>
+            <a:endParaRPr lang="en-US" altLang="ja-JP" b="1">
+              <a:solidFill>
+                <a:srgbClr val="FF0000"/>
+              </a:solidFill>
+            </a:endParaRPr>
+          </a:p>
+          <a:p>
+            <a:r>
+              <a:rPr kumimoji="1" lang="ja-JP" altLang="en-US"/>
+              <a:t>メールアドレスは学生は</a:t>
+            </a:r>
+            <a:r>
+              <a:rPr kumimoji="1" lang="en-US" altLang="ja-JP"/>
+              <a:t>UTAS</a:t>
+            </a:r>
+            <a:r>
+              <a:rPr kumimoji="1" lang="ja-JP" altLang="en-US"/>
+              <a:t>で登録できますが、教職員は</a:t>
+            </a:r>
+            <a:r>
+              <a:rPr kumimoji="1" lang="ja-JP" altLang="en-US">
+                <a:solidFill>
+                  <a:srgbClr val="FF0000"/>
+                </a:solidFill>
+              </a:rPr>
+              <a:t>人事情報システム</a:t>
+            </a:r>
+            <a:r>
+              <a:rPr kumimoji="1" lang="ja-JP" altLang="en-US"/>
+              <a:t>での登録が必要です。</a:t>
+            </a:r>
+            <a:endParaRPr kumimoji="1" lang="en-US" altLang="ja-JP"/>
+          </a:p>
+          <a:p>
+            <a:pPr lvl="1"/>
+            <a:r>
+              <a:rPr kumimoji="1" lang="ja-JP" altLang="en-US" b="1">
+                <a:solidFill>
+                  <a:srgbClr val="FF0000"/>
+                </a:solidFill>
+              </a:rPr>
+              <a:t>非常勤講師の先生方は部局の学務担当にご連絡ください</a:t>
+            </a:r>
+            <a:endParaRPr kumimoji="1" lang="en-US" altLang="ja-JP" b="1">
+              <a:solidFill>
+                <a:srgbClr val="FF0000"/>
+              </a:solidFill>
+            </a:endParaRPr>
+          </a:p>
+          <a:p>
+            <a:r>
+              <a:rPr kumimoji="1" lang="ja-JP" altLang="en-US"/>
+              <a:t>メールアドレスは普段からよく読むメールアドレスを登録してください。</a:t>
+            </a:r>
+            <a:r>
+              <a:rPr kumimoji="1" lang="ja-JP" altLang="en-US">
+                <a:solidFill>
+                  <a:srgbClr val="FF0000"/>
+                </a:solidFill>
+              </a:rPr>
+              <a:t>登録した翌日から申請可能</a:t>
+            </a:r>
+            <a:r>
+              <a:rPr kumimoji="1" lang="ja-JP" altLang="en-US"/>
+              <a:t>です。</a:t>
+            </a:r>
+            <a:endParaRPr kumimoji="1" lang="en-US" altLang="ja-JP"/>
+          </a:p>
+          <a:p>
+            <a:r>
+              <a:rPr lang="ja-JP" altLang="en-US"/>
+              <a:t>メールアドレスによっては迷惑メールに分類される、配信に時間がかかることがあります。（一般的な</a:t>
+            </a:r>
+            <a:r>
+              <a:rPr lang="en-US" altLang="ja-JP" err="1"/>
+              <a:t>gmail</a:t>
+            </a:r>
+            <a:r>
+              <a:rPr lang="ja-JP" altLang="en-US"/>
+              <a:t>アドレスは時間がかかります。</a:t>
+            </a:r>
+            <a:r>
+              <a:rPr lang="en-US" altLang="ja-JP"/>
+              <a:t>icloud.com</a:t>
+            </a:r>
+            <a:r>
+              <a:rPr lang="ja-JP" altLang="en-US"/>
+              <a:t>は届かないことがあります。）</a:t>
             </a:r>
             <a:endParaRPr lang="en-US" altLang="ja-JP"/>
-          </a:p>
-          <a:p>
-            <a:r>
-              <a:rPr kumimoji="1" lang="ja-JP" altLang="en-US"/>
-              <a:t>連絡がつかなかった場合（</a:t>
-            </a:r>
-            <a:r>
-              <a:rPr kumimoji="1" lang="en-US" altLang="ja-JP"/>
-              <a:t>24</a:t>
-            </a:r>
-            <a:r>
-              <a:rPr kumimoji="1" lang="ja-JP" altLang="en-US"/>
-              <a:t>時間以内に返答がなかった場合）はサービスを停止します。</a:t>
-            </a:r>
-            <a:endParaRPr kumimoji="1" lang="en-US" altLang="ja-JP"/>
-          </a:p>
-          <a:p>
-            <a:endParaRPr kumimoji="1" lang="en-US" altLang="ja-JP"/>
-          </a:p>
-          <a:p>
-            <a:r>
-              <a:rPr kumimoji="1" lang="ja-JP" altLang="en-US"/>
-              <a:t>端末の</a:t>
-            </a:r>
-            <a:r>
-              <a:rPr kumimoji="1" lang="en-US" altLang="ja-JP"/>
-              <a:t>OS</a:t>
-            </a:r>
-            <a:r>
-              <a:rPr kumimoji="1" lang="ja-JP" altLang="en-US"/>
-              <a:t>、アプリケーションは最新版にアップデートはしてください。</a:t>
-            </a:r>
-            <a:endParaRPr kumimoji="1" lang="en-US" altLang="ja-JP"/>
-          </a:p>
-          <a:p>
-            <a:r>
-              <a:rPr kumimoji="1" lang="ja-JP" altLang="en-US"/>
-              <a:t>大学のセキュリティポリシーが適用されます。セキュリティ対策ソフトウェアを必ずインストールしてください。</a:t>
-            </a:r>
           </a:p>
         </p:txBody>
       </p:sp>
     </p:spTree>
     <p:extLst>
       <p:ext uri="{BB962C8B-B14F-4D97-AF65-F5344CB8AC3E}">
-        <p14:creationId xmlns:p14="http://schemas.microsoft.com/office/powerpoint/2010/main" val="1529631708"/>
+        <p14:creationId xmlns:p14="http://schemas.microsoft.com/office/powerpoint/2010/main" val="1324235147"/>
       </p:ext>
     </p:extLst>
   </p:cSld>
@@ -10904,7 +10177,7 @@
           <p:cNvPr id="2" name="タイトル 1">
             <a:extLst>
               <a:ext uri="{FF2B5EF4-FFF2-40B4-BE49-F238E27FC236}">
-                <a16:creationId xmlns:a16="http://schemas.microsoft.com/office/drawing/2014/main" id="{3974114E-C660-4585-B687-EBA166CBF5B7}"/>
+                <a16:creationId xmlns:a16="http://schemas.microsoft.com/office/drawing/2014/main" id="{126C567C-39A7-4C78-B52A-B04EC6EEF2FA}"/>
               </a:ext>
             </a:extLst>
           </p:cNvPr>
@@ -10922,7 +10195,7 @@
           <a:p>
             <a:r>
               <a:rPr kumimoji="1" lang="ja-JP" altLang="en-US"/>
-              <a:t>利用申請について</a:t>
+              <a:t>セキュリティ対策のお願い</a:t>
             </a:r>
           </a:p>
         </p:txBody>
@@ -10932,7 +10205,7 @@
           <p:cNvPr id="3" name="コンテンツ プレースホルダー 2">
             <a:extLst>
               <a:ext uri="{FF2B5EF4-FFF2-40B4-BE49-F238E27FC236}">
-                <a16:creationId xmlns:a16="http://schemas.microsoft.com/office/drawing/2014/main" id="{FB04FEED-44CC-4226-AE92-CBBFF32DB0CB}"/>
+                <a16:creationId xmlns:a16="http://schemas.microsoft.com/office/drawing/2014/main" id="{1C64862B-D650-4904-872E-78FC4799F47A}"/>
               </a:ext>
             </a:extLst>
           </p:cNvPr>
@@ -10945,111 +10218,113 @@
         </p:nvSpPr>
         <p:spPr/>
         <p:txBody>
-          <a:bodyPr>
+          <a:bodyPr vert="horz" lIns="91440" tIns="45720" rIns="91440" bIns="45720" rtlCol="0" anchor="t">
             <a:normAutofit/>
           </a:bodyPr>
           <a:lstStyle/>
           <a:p>
             <a:r>
-              <a:rPr kumimoji="1" lang="en-US" altLang="ja-JP"/>
-              <a:t>UTokyo WiFi </a:t>
-            </a:r>
-            <a:r>
-              <a:rPr kumimoji="1" lang="ja-JP" altLang="en-US"/>
-              <a:t>ウェブサイトから申請を行ってください。</a:t>
-            </a:r>
-            <a:endParaRPr kumimoji="1" lang="en-US" altLang="ja-JP"/>
-          </a:p>
-          <a:p>
+              <a:rPr kumimoji="1" lang="ja-JP" altLang="en-US">
+                <a:ea typeface="メイリオ"/>
+              </a:rPr>
+              <a:t>大学ネットワークであるため全学</a:t>
+            </a:r>
+            <a:r>
+              <a:rPr kumimoji="1" lang="en-US" altLang="ja-JP" dirty="0">
+                <a:ea typeface="メイリオ"/>
+              </a:rPr>
+              <a:t>FW</a:t>
+            </a:r>
+            <a:r>
+              <a:rPr kumimoji="1" lang="ja-JP" altLang="en-US">
+                <a:ea typeface="メイリオ"/>
+              </a:rPr>
+              <a:t>を通過します。</a:t>
+            </a:r>
+            <a:endParaRPr kumimoji="1" lang="en-US" altLang="ja-JP">
+              <a:ea typeface="メイリオ"/>
+            </a:endParaRPr>
+          </a:p>
+          <a:p>
+            <a:r>
+              <a:rPr lang="ja-JP" altLang="en-US"/>
+              <a:t>セキュリティインシデントを起こしてしまった場合、まずは本人に連絡します。（</a:t>
+            </a:r>
             <a:r>
               <a:rPr lang="ja-JP" altLang="en-US" b="1">
                 <a:solidFill>
                   <a:srgbClr val="FF0000"/>
                 </a:solidFill>
               </a:rPr>
-              <a:t>メールアドレスの登録が必要です。</a:t>
-            </a:r>
-            <a:endParaRPr lang="en-US" altLang="ja-JP" b="1">
-              <a:solidFill>
-                <a:srgbClr val="FF0000"/>
-              </a:solidFill>
+              <a:t>アカウントを送付したメールアドレス</a:t>
+            </a:r>
+            <a:r>
+              <a:rPr lang="ja-JP" altLang="en-US"/>
+              <a:t>に連絡します。）</a:t>
+            </a:r>
+            <a:endParaRPr lang="en-US" altLang="ja-JP"/>
+          </a:p>
+          <a:p>
+            <a:r>
+              <a:rPr kumimoji="1" lang="ja-JP" altLang="en-US">
+                <a:ea typeface="メイリオ"/>
+              </a:rPr>
+              <a:t>連絡がつかなかった場合（</a:t>
+            </a:r>
+            <a:r>
+              <a:rPr kumimoji="1" lang="en-US" altLang="ja-JP" dirty="0">
+                <a:ea typeface="メイリオ"/>
+              </a:rPr>
+              <a:t>24</a:t>
+            </a:r>
+            <a:r>
+              <a:rPr kumimoji="1" lang="ja-JP" altLang="en-US">
+                <a:ea typeface="メイリオ"/>
+              </a:rPr>
+              <a:t>時間以内に返答がなかった場合）はサービスを停止します。</a:t>
+            </a:r>
+            <a:endParaRPr kumimoji="1" lang="en-US" altLang="ja-JP">
+              <a:ea typeface="メイリオ"/>
             </a:endParaRPr>
           </a:p>
           <a:p>
+            <a:endParaRPr kumimoji="1" lang="en-US" altLang="ja-JP"/>
+          </a:p>
+          <a:p>
+            <a:r>
+              <a:rPr kumimoji="1" lang="ja-JP" altLang="en-US">
+                <a:ea typeface="メイリオ"/>
+              </a:rPr>
+              <a:t>端末の</a:t>
+            </a:r>
+            <a:r>
+              <a:rPr kumimoji="1" lang="en-US" altLang="ja-JP" dirty="0">
+                <a:ea typeface="メイリオ"/>
+              </a:rPr>
+              <a:t>OS</a:t>
+            </a:r>
+            <a:r>
+              <a:rPr kumimoji="1" lang="ja-JP" altLang="en-US">
+                <a:ea typeface="メイリオ"/>
+              </a:rPr>
+              <a:t>、アプリケーションは最新版にアップデートしてください。</a:t>
+            </a:r>
+            <a:endParaRPr kumimoji="1" lang="en-US" altLang="ja-JP">
+              <a:ea typeface="メイリオ"/>
+            </a:endParaRPr>
+          </a:p>
+          <a:p>
             <a:r>
               <a:rPr kumimoji="1" lang="ja-JP" altLang="en-US"/>
-              <a:t>メールアドレスは学生は</a:t>
-            </a:r>
-            <a:r>
-              <a:rPr kumimoji="1" lang="en-US" altLang="ja-JP"/>
-              <a:t>UTAS</a:t>
-            </a:r>
-            <a:r>
-              <a:rPr kumimoji="1" lang="ja-JP" altLang="en-US"/>
-              <a:t>で登録できますが、教職員は</a:t>
-            </a:r>
-            <a:r>
-              <a:rPr kumimoji="1" lang="ja-JP" altLang="en-US">
-                <a:solidFill>
-                  <a:srgbClr val="FF0000"/>
-                </a:solidFill>
-              </a:rPr>
-              <a:t>人事情報システム</a:t>
-            </a:r>
-            <a:r>
-              <a:rPr kumimoji="1" lang="ja-JP" altLang="en-US"/>
-              <a:t>での登録が必要です。</a:t>
-            </a:r>
-            <a:endParaRPr kumimoji="1" lang="en-US" altLang="ja-JP"/>
-          </a:p>
-          <a:p>
-            <a:pPr lvl="1"/>
-            <a:r>
-              <a:rPr kumimoji="1" lang="ja-JP" altLang="en-US" b="1">
-                <a:solidFill>
-                  <a:srgbClr val="FF0000"/>
-                </a:solidFill>
-              </a:rPr>
-              <a:t>非常勤講師の先生方は部局の学務担当にご連絡ください</a:t>
-            </a:r>
-            <a:endParaRPr kumimoji="1" lang="en-US" altLang="ja-JP" b="1">
-              <a:solidFill>
-                <a:srgbClr val="FF0000"/>
-              </a:solidFill>
-            </a:endParaRPr>
-          </a:p>
-          <a:p>
-            <a:r>
-              <a:rPr kumimoji="1" lang="ja-JP" altLang="en-US"/>
-              <a:t>メールアドレスは普段からよく読むメールアドレスを登録してください。</a:t>
-            </a:r>
-            <a:r>
-              <a:rPr kumimoji="1" lang="ja-JP" altLang="en-US">
-                <a:solidFill>
-                  <a:srgbClr val="FF0000"/>
-                </a:solidFill>
-              </a:rPr>
-              <a:t>登録した翌日から申請可能</a:t>
-            </a:r>
-            <a:r>
-              <a:rPr kumimoji="1" lang="ja-JP" altLang="en-US"/>
-              <a:t>です。</a:t>
-            </a:r>
-            <a:endParaRPr kumimoji="1" lang="en-US" altLang="ja-JP"/>
-          </a:p>
-          <a:p>
-            <a:r>
-              <a:rPr lang="ja-JP" altLang="en-US"/>
-              <a:t>メールアドレスによってはアカウントが届かないことがあります。（システムが送付するメールですので迷惑メール判定されたり遮断されることがあります。）</a:t>
-            </a:r>
-            <a:endParaRPr lang="en-US" altLang="ja-JP"/>
+              <a:t>大学のセキュリティポリシーが適用されます。セキュリティ対策ソフトウェアを必ずインストールしてください。</a:t>
+            </a:r>
           </a:p>
         </p:txBody>
       </p:sp>
     </p:spTree>
     <p:extLst>
       <p:ext uri="{BB962C8B-B14F-4D97-AF65-F5344CB8AC3E}">
-        <p14:creationId xmlns:p14="http://schemas.microsoft.com/office/powerpoint/2010/main" val="1324235147"/>
+        <p14:creationId xmlns:p14="http://schemas.microsoft.com/office/powerpoint/2010/main" val="1529631708"/>
       </p:ext>
     </p:extLst>
   </p:cSld>
@@ -11317,12 +10592,49 @@
 </file>
 
 <file path=customXml/item1.xml><?xml version="1.0" encoding="utf-8"?>
-<?mso-contentType ?>
-<FormTemplates xmlns="http://schemas.microsoft.com/sharepoint/v3/contenttype/forms">
-  <Display>DocumentLibraryForm</Display>
-  <Edit>DocumentLibraryForm</Edit>
-  <New>DocumentLibraryForm</New>
-</FormTemplates>
+<p:properties xmlns:p="http://schemas.microsoft.com/office/2006/metadata/properties" xmlns:xsi="http://www.w3.org/2001/XMLSchema-instance" xmlns:pc="http://schemas.microsoft.com/office/infopath/2007/PartnerControls">
+  <documentManagement>
+    <AppVersion xmlns="a16a56a7-942f-43cd-8715-9b42c2d91c00" xsi:nil="true"/>
+    <Invited_Students xmlns="a16a56a7-942f-43cd-8715-9b42c2d91c00" xsi:nil="true"/>
+    <DefaultSectionNames xmlns="a16a56a7-942f-43cd-8715-9b42c2d91c00" xsi:nil="true"/>
+    <Has_Teacher_Only_SectionGroup xmlns="a16a56a7-942f-43cd-8715-9b42c2d91c00" xsi:nil="true"/>
+    <FolderType xmlns="a16a56a7-942f-43cd-8715-9b42c2d91c00" xsi:nil="true"/>
+    <Is_Collaboration_Space_Locked xmlns="a16a56a7-942f-43cd-8715-9b42c2d91c00" xsi:nil="true"/>
+    <Self_Registration_Enabled xmlns="a16a56a7-942f-43cd-8715-9b42c2d91c00" xsi:nil="true"/>
+    <Teachers xmlns="a16a56a7-942f-43cd-8715-9b42c2d91c00">
+      <UserInfo>
+        <DisplayName/>
+        <AccountId xsi:nil="true"/>
+        <AccountType/>
+      </UserInfo>
+    </Teachers>
+    <Templates xmlns="a16a56a7-942f-43cd-8715-9b42c2d91c00" xsi:nil="true"/>
+    <CultureName xmlns="a16a56a7-942f-43cd-8715-9b42c2d91c00" xsi:nil="true"/>
+    <NotebookType xmlns="a16a56a7-942f-43cd-8715-9b42c2d91c00" xsi:nil="true"/>
+    <Students xmlns="a16a56a7-942f-43cd-8715-9b42c2d91c00">
+      <UserInfo>
+        <DisplayName/>
+        <AccountId xsi:nil="true"/>
+        <AccountType/>
+      </UserInfo>
+    </Students>
+    <Student_Groups xmlns="a16a56a7-942f-43cd-8715-9b42c2d91c00">
+      <UserInfo>
+        <DisplayName/>
+        <AccountId xsi:nil="true"/>
+        <AccountType/>
+      </UserInfo>
+    </Student_Groups>
+    <Invited_Teachers xmlns="a16a56a7-942f-43cd-8715-9b42c2d91c00" xsi:nil="true"/>
+    <Owner xmlns="a16a56a7-942f-43cd-8715-9b42c2d91c00">
+      <UserInfo>
+        <DisplayName/>
+        <AccountId xsi:nil="true"/>
+        <AccountType/>
+      </UserInfo>
+    </Owner>
+  </documentManagement>
+</p:properties>
 </file>
 
 <file path=customXml/item2.xml><?xml version="1.0" encoding="utf-8"?>
@@ -11709,55 +11021,27 @@
 </file>
 
 <file path=customXml/item3.xml><?xml version="1.0" encoding="utf-8"?>
-<p:properties xmlns:p="http://schemas.microsoft.com/office/2006/metadata/properties" xmlns:xsi="http://www.w3.org/2001/XMLSchema-instance" xmlns:pc="http://schemas.microsoft.com/office/infopath/2007/PartnerControls">
-  <documentManagement>
-    <AppVersion xmlns="a16a56a7-942f-43cd-8715-9b42c2d91c00" xsi:nil="true"/>
-    <Invited_Students xmlns="a16a56a7-942f-43cd-8715-9b42c2d91c00" xsi:nil="true"/>
-    <DefaultSectionNames xmlns="a16a56a7-942f-43cd-8715-9b42c2d91c00" xsi:nil="true"/>
-    <Has_Teacher_Only_SectionGroup xmlns="a16a56a7-942f-43cd-8715-9b42c2d91c00" xsi:nil="true"/>
-    <FolderType xmlns="a16a56a7-942f-43cd-8715-9b42c2d91c00" xsi:nil="true"/>
-    <Is_Collaboration_Space_Locked xmlns="a16a56a7-942f-43cd-8715-9b42c2d91c00" xsi:nil="true"/>
-    <Self_Registration_Enabled xmlns="a16a56a7-942f-43cd-8715-9b42c2d91c00" xsi:nil="true"/>
-    <Teachers xmlns="a16a56a7-942f-43cd-8715-9b42c2d91c00">
-      <UserInfo>
-        <DisplayName/>
-        <AccountId xsi:nil="true"/>
-        <AccountType/>
-      </UserInfo>
-    </Teachers>
-    <Templates xmlns="a16a56a7-942f-43cd-8715-9b42c2d91c00" xsi:nil="true"/>
-    <CultureName xmlns="a16a56a7-942f-43cd-8715-9b42c2d91c00" xsi:nil="true"/>
-    <NotebookType xmlns="a16a56a7-942f-43cd-8715-9b42c2d91c00" xsi:nil="true"/>
-    <Students xmlns="a16a56a7-942f-43cd-8715-9b42c2d91c00">
-      <UserInfo>
-        <DisplayName/>
-        <AccountId xsi:nil="true"/>
-        <AccountType/>
-      </UserInfo>
-    </Students>
-    <Student_Groups xmlns="a16a56a7-942f-43cd-8715-9b42c2d91c00">
-      <UserInfo>
-        <DisplayName/>
-        <AccountId xsi:nil="true"/>
-        <AccountType/>
-      </UserInfo>
-    </Student_Groups>
-    <Invited_Teachers xmlns="a16a56a7-942f-43cd-8715-9b42c2d91c00" xsi:nil="true"/>
-    <Owner xmlns="a16a56a7-942f-43cd-8715-9b42c2d91c00">
-      <UserInfo>
-        <DisplayName/>
-        <AccountId xsi:nil="true"/>
-        <AccountType/>
-      </UserInfo>
-    </Owner>
-  </documentManagement>
-</p:properties>
+<?mso-contentType ?>
+<FormTemplates xmlns="http://schemas.microsoft.com/sharepoint/v3/contenttype/forms">
+  <Display>DocumentLibraryForm</Display>
+  <Edit>DocumentLibraryForm</Edit>
+  <New>DocumentLibraryForm</New>
+</FormTemplates>
 </file>
 
 <file path=customXml/itemProps1.xml><?xml version="1.0" encoding="utf-8"?>
-<ds:datastoreItem xmlns:ds="http://schemas.openxmlformats.org/officeDocument/2006/customXml" ds:itemID="{90BD8B84-82FE-4193-BF9B-C93E5CCDDF0D}">
+<ds:datastoreItem xmlns:ds="http://schemas.openxmlformats.org/officeDocument/2006/customXml" ds:itemID="{1D451D12-144C-45BC-B99F-E4B566EE3285}">
   <ds:schemaRefs>
-    <ds:schemaRef ds:uri="http://schemas.microsoft.com/sharepoint/v3/contenttype/forms"/>
+    <ds:schemaRef ds:uri="744e0557-1a67-4945-ab68-ec3ff7eaa082"/>
+    <ds:schemaRef ds:uri="a16a56a7-942f-43cd-8715-9b42c2d91c00"/>
+    <ds:schemaRef ds:uri="http://purl.org/dc/dcmitype/"/>
+    <ds:schemaRef ds:uri="http://purl.org/dc/elements/1.1/"/>
+    <ds:schemaRef ds:uri="http://purl.org/dc/terms/"/>
+    <ds:schemaRef ds:uri="http://schemas.microsoft.com/office/2006/documentManagement/types"/>
+    <ds:schemaRef ds:uri="http://schemas.microsoft.com/office/2006/metadata/properties"/>
+    <ds:schemaRef ds:uri="http://schemas.microsoft.com/office/infopath/2007/PartnerControls"/>
+    <ds:schemaRef ds:uri="http://schemas.openxmlformats.org/package/2006/metadata/core-properties"/>
+    <ds:schemaRef ds:uri="http://www.w3.org/XML/1998/namespace"/>
   </ds:schemaRefs>
 </ds:datastoreItem>
 </file>
@@ -11782,18 +11066,9 @@
 </file>
 
 <file path=customXml/itemProps3.xml><?xml version="1.0" encoding="utf-8"?>
-<ds:datastoreItem xmlns:ds="http://schemas.openxmlformats.org/officeDocument/2006/customXml" ds:itemID="{1D451D12-144C-45BC-B99F-E4B566EE3285}">
+<ds:datastoreItem xmlns:ds="http://schemas.openxmlformats.org/officeDocument/2006/customXml" ds:itemID="{90BD8B84-82FE-4193-BF9B-C93E5CCDDF0D}">
   <ds:schemaRefs>
-    <ds:schemaRef ds:uri="744e0557-1a67-4945-ab68-ec3ff7eaa082"/>
-    <ds:schemaRef ds:uri="a16a56a7-942f-43cd-8715-9b42c2d91c00"/>
-    <ds:schemaRef ds:uri="http://purl.org/dc/dcmitype/"/>
-    <ds:schemaRef ds:uri="http://purl.org/dc/elements/1.1/"/>
-    <ds:schemaRef ds:uri="http://purl.org/dc/terms/"/>
-    <ds:schemaRef ds:uri="http://schemas.microsoft.com/office/2006/documentManagement/types"/>
-    <ds:schemaRef ds:uri="http://schemas.microsoft.com/office/2006/metadata/properties"/>
-    <ds:schemaRef ds:uri="http://schemas.microsoft.com/office/infopath/2007/PartnerControls"/>
-    <ds:schemaRef ds:uri="http://schemas.openxmlformats.org/package/2006/metadata/core-properties"/>
-    <ds:schemaRef ds:uri="http://www.w3.org/XML/1998/namespace"/>
+    <ds:schemaRef ds:uri="http://schemas.microsoft.com/sharepoint/v3/contenttype/forms"/>
   </ds:schemaRefs>
 </ds:datastoreItem>
 </file>